--- a/mipr_slides/MIPR.pptx
+++ b/mipr_slides/MIPR.pptx
@@ -956,68 +956,7 @@
                 <a:cs typeface="Times New Roman"/>
                 <a:sym typeface="Times New Roman"/>
               </a:rPr>
-              <a:t>The 2D Scene Sketch Query Dataset </a:t>
-            </a:r>
-            <a:r>
-              <a:rPr lang="en-US" sz="1400">
-                <a:solidFill>
-                  <a:schemeClr val="dk1"/>
-                </a:solidFill>
-                <a:latin typeface="Times New Roman"/>
-                <a:ea typeface="Times New Roman"/>
-                <a:cs typeface="Times New Roman"/>
-                <a:sym typeface="Times New Roman"/>
-              </a:rPr>
-              <a:t>utilizes the 2D scene images in SBR benchmark further extends with sketches from Flickr and Google images. </a:t>
-            </a:r>
-            <a:endParaRPr sz="1400">
-              <a:solidFill>
-                <a:schemeClr val="dk1"/>
-              </a:solidFill>
-              <a:latin typeface="Times New Roman"/>
-              <a:ea typeface="Times New Roman"/>
-              <a:cs typeface="Times New Roman"/>
-              <a:sym typeface="Times New Roman"/>
-            </a:endParaRPr>
-          </a:p>
-          <a:p>
-            <a:pPr indent="-317500" lvl="0" marL="457200" rtl="0" algn="l">
-              <a:spcBef>
-                <a:spcPts val="0"/>
-              </a:spcBef>
-              <a:spcAft>
-                <a:spcPts val="0"/>
-              </a:spcAft>
-              <a:buClr>
-                <a:schemeClr val="dk1"/>
-              </a:buClr>
-              <a:buSzPts val="1400"/>
-              <a:buFont typeface="Calibri"/>
-              <a:buChar char="●"/>
-            </a:pPr>
-            <a:r>
-              <a:rPr b="1" lang="en-US" sz="1400">
-                <a:solidFill>
-                  <a:schemeClr val="dk1"/>
-                </a:solidFill>
-                <a:latin typeface="Calibri"/>
-                <a:ea typeface="Calibri"/>
-                <a:cs typeface="Calibri"/>
-                <a:sym typeface="Calibri"/>
-              </a:rPr>
-              <a:t>The 2D Scene Sketch Query Dataset 750</a:t>
-            </a:r>
-            <a:r>
-              <a:rPr lang="en-US" sz="1400">
-                <a:solidFill>
-                  <a:schemeClr val="dk1"/>
-                </a:solidFill>
-                <a:latin typeface="Calibri"/>
-                <a:ea typeface="Calibri"/>
-                <a:cs typeface="Calibri"/>
-                <a:sym typeface="Calibri"/>
-              </a:rPr>
-              <a:t> 2D scene images categorized into 30 classes, each with 25 sketches each</a:t>
+              <a:t>Overview </a:t>
             </a:r>
             <a:endParaRPr b="1" sz="1400">
               <a:solidFill>
@@ -1040,7 +979,16 @@
               <a:buNone/>
             </a:pPr>
             <a:r>
-              <a:t/>
+              <a:rPr b="1" lang="en-US" sz="1400">
+                <a:solidFill>
+                  <a:schemeClr val="dk1"/>
+                </a:solidFill>
+                <a:latin typeface="Times New Roman"/>
+                <a:ea typeface="Times New Roman"/>
+                <a:cs typeface="Times New Roman"/>
+                <a:sym typeface="Times New Roman"/>
+              </a:rPr>
+              <a:t>	We have built a unified 3D scene benchmark supporting both sketch and model queries by substantially extending SceneSBR and SceneIBR by means of identifying and consolidating the same number of sketches/images/models for another additional 20 classes from the most popular 2D/3D data resources. </a:t>
             </a:r>
             <a:endParaRPr b="1" sz="1400">
               <a:solidFill>
@@ -1063,6 +1011,52 @@
               <a:buNone/>
             </a:pPr>
             <a:r>
+              <a:t/>
+            </a:r>
+            <a:endParaRPr b="1" sz="1400">
+              <a:solidFill>
+                <a:schemeClr val="dk1"/>
+              </a:solidFill>
+              <a:latin typeface="Times New Roman"/>
+              <a:ea typeface="Times New Roman"/>
+              <a:cs typeface="Times New Roman"/>
+              <a:sym typeface="Times New Roman"/>
+            </a:endParaRPr>
+          </a:p>
+          <a:p>
+            <a:pPr indent="0" lvl="0" marL="0" rtl="0" algn="l">
+              <a:spcBef>
+                <a:spcPts val="0"/>
+              </a:spcBef>
+              <a:spcAft>
+                <a:spcPts val="0"/>
+              </a:spcAft>
+              <a:buNone/>
+            </a:pPr>
+            <a:r>
+              <a:t/>
+            </a:r>
+            <a:endParaRPr b="1" sz="1400">
+              <a:solidFill>
+                <a:schemeClr val="dk1"/>
+              </a:solidFill>
+              <a:latin typeface="Times New Roman"/>
+              <a:ea typeface="Times New Roman"/>
+              <a:cs typeface="Times New Roman"/>
+              <a:sym typeface="Times New Roman"/>
+            </a:endParaRPr>
+          </a:p>
+          <a:p>
+            <a:pPr indent="0" lvl="0" marL="0" rtl="0" algn="l">
+              <a:spcBef>
+                <a:spcPts val="0"/>
+              </a:spcBef>
+              <a:spcAft>
+                <a:spcPts val="0"/>
+              </a:spcAft>
+              <a:buNone/>
+            </a:pPr>
+            <a:r>
               <a:rPr b="1" lang="en-US" sz="1400">
                 <a:solidFill>
                   <a:schemeClr val="dk1"/>
@@ -1072,10 +1066,30 @@
                 <a:cs typeface="Times New Roman"/>
                 <a:sym typeface="Times New Roman"/>
               </a:rPr>
-              <a:t>The 2D Scene Image Query Dataset </a:t>
-            </a:r>
-            <a:r>
-              <a:rPr lang="en-US" sz="1400">
+              <a:t>Motivation</a:t>
+            </a:r>
+            <a:endParaRPr b="1" sz="1400">
+              <a:solidFill>
+                <a:schemeClr val="dk1"/>
+              </a:solidFill>
+              <a:latin typeface="Times New Roman"/>
+              <a:ea typeface="Times New Roman"/>
+              <a:cs typeface="Times New Roman"/>
+              <a:sym typeface="Times New Roman"/>
+            </a:endParaRPr>
+          </a:p>
+          <a:p>
+            <a:pPr indent="457200" lvl="0" marL="0" rtl="0" algn="l">
+              <a:spcBef>
+                <a:spcPts val="0"/>
+              </a:spcBef>
+              <a:spcAft>
+                <a:spcPts val="0"/>
+              </a:spcAft>
+              <a:buNone/>
+            </a:pPr>
+            <a:r>
+              <a:rPr b="1" lang="en-US" sz="1400">
                 <a:solidFill>
                   <a:schemeClr val="dk1"/>
                 </a:solidFill>
@@ -1084,44 +1098,20 @@
                 <a:cs typeface="Times New Roman"/>
                 <a:sym typeface="Times New Roman"/>
               </a:rPr>
-              <a:t>utilizes 2D scene categories from Places88 and </a:t>
-            </a:r>
-            <a:r>
-              <a:rPr b="1" lang="en-US" sz="1400">
-                <a:solidFill>
-                  <a:schemeClr val="dk1"/>
-                </a:solidFill>
-                <a:latin typeface="Calibri"/>
-                <a:ea typeface="Calibri"/>
-                <a:cs typeface="Calibri"/>
-                <a:sym typeface="Calibri"/>
-              </a:rPr>
-              <a:t>contain </a:t>
-            </a:r>
-            <a:r>
-              <a:rPr lang="en-US" sz="1400">
-                <a:solidFill>
-                  <a:schemeClr val="dk1"/>
-                </a:solidFill>
-                <a:latin typeface="Calibri"/>
-                <a:ea typeface="Calibri"/>
-                <a:cs typeface="Calibri"/>
-                <a:sym typeface="Calibri"/>
-              </a:rPr>
-              <a:t>30,000 2D scene images categorized into 30 classes, each with 1,000 images each</a:t>
-            </a:r>
-            <a:endParaRPr sz="1400">
+              <a:t>During our two tracks, we found that both of these two benchmarks are not challenging and comprehensive enough since they cover only 10 categories, each of which is clearly distinct from one another. Considering this, we decided to further increase the comprehensiveness of the benchmarks by building a significantly larger and unified benchmark which supports both types of retrieval. </a:t>
+            </a:r>
+            <a:endParaRPr b="1" sz="1400">
               <a:solidFill>
                 <a:schemeClr val="dk1"/>
               </a:solidFill>
-              <a:latin typeface="Calibri"/>
-              <a:ea typeface="Calibri"/>
-              <a:cs typeface="Calibri"/>
-              <a:sym typeface="Calibri"/>
-            </a:endParaRPr>
-          </a:p>
-          <a:p>
-            <a:pPr indent="0" lvl="0" marL="0" rtl="0" algn="l">
+              <a:latin typeface="Times New Roman"/>
+              <a:ea typeface="Times New Roman"/>
+              <a:cs typeface="Times New Roman"/>
+              <a:sym typeface="Times New Roman"/>
+            </a:endParaRPr>
+          </a:p>
+          <a:p>
+            <a:pPr indent="457200" lvl="0" marL="0" rtl="0" algn="l">
               <a:spcBef>
                 <a:spcPts val="0"/>
               </a:spcBef>
@@ -1133,24 +1123,29 @@
             <a:r>
               <a:t/>
             </a:r>
-            <a:endParaRPr sz="1400">
+            <a:endParaRPr b="1" sz="1400">
               <a:solidFill>
                 <a:schemeClr val="dk1"/>
               </a:solidFill>
-              <a:latin typeface="Calibri"/>
-              <a:ea typeface="Calibri"/>
-              <a:cs typeface="Calibri"/>
-              <a:sym typeface="Calibri"/>
+              <a:latin typeface="Times New Roman"/>
+              <a:ea typeface="Times New Roman"/>
+              <a:cs typeface="Times New Roman"/>
+              <a:sym typeface="Times New Roman"/>
             </a:endParaRPr>
           </a:p>
           <a:p>
             <a:pPr indent="0" lvl="0" marL="0" rtl="0" algn="l">
               <a:spcBef>
-                <a:spcPts val="500"/>
-              </a:spcBef>
-              <a:spcAft>
-                <a:spcPts val="0"/>
-              </a:spcAft>
+                <a:spcPts val="0"/>
+              </a:spcBef>
+              <a:spcAft>
+                <a:spcPts val="0"/>
+              </a:spcAft>
+              <a:buClr>
+                <a:schemeClr val="dk1"/>
+              </a:buClr>
+              <a:buSzPts val="1100"/>
+              <a:buFont typeface="Arial"/>
               <a:buNone/>
             </a:pPr>
             <a:r>
@@ -1158,221 +1153,105 @@
                 <a:solidFill>
                   <a:schemeClr val="dk1"/>
                 </a:solidFill>
-                <a:latin typeface="Calibri"/>
-                <a:ea typeface="Calibri"/>
-                <a:cs typeface="Calibri"/>
-                <a:sym typeface="Calibri"/>
-              </a:rPr>
-              <a:t>The 3D scene dataset contains</a:t>
-            </a:r>
-            <a:r>
-              <a:rPr lang="en-US" sz="1400">
-                <a:solidFill>
-                  <a:schemeClr val="dk1"/>
-                </a:solidFill>
-                <a:latin typeface="Calibri"/>
-                <a:ea typeface="Calibri"/>
-                <a:cs typeface="Calibri"/>
-                <a:sym typeface="Calibri"/>
-              </a:rPr>
-              <a:t> 3000 3D scene models. They are categorized into the same 30 classes, each having 100 models.</a:t>
-            </a:r>
-            <a:endParaRPr sz="1400">
+                <a:latin typeface="Times New Roman"/>
+                <a:ea typeface="Times New Roman"/>
+                <a:cs typeface="Times New Roman"/>
+                <a:sym typeface="Times New Roman"/>
+              </a:rPr>
+              <a:t>Building Process</a:t>
+            </a:r>
+            <a:endParaRPr b="1" sz="1400">
               <a:solidFill>
                 <a:schemeClr val="dk1"/>
               </a:solidFill>
-              <a:latin typeface="Calibri"/>
-              <a:ea typeface="Calibri"/>
-              <a:cs typeface="Calibri"/>
-              <a:sym typeface="Calibri"/>
-            </a:endParaRPr>
-          </a:p>
-          <a:p>
-            <a:pPr indent="0" lvl="0" marL="0" rtl="0" algn="l">
-              <a:spcBef>
-                <a:spcPts val="500"/>
-              </a:spcBef>
-              <a:spcAft>
-                <a:spcPts val="0"/>
-              </a:spcAft>
-              <a:buNone/>
-            </a:pPr>
-            <a:r>
-              <a:t/>
-            </a:r>
-            <a:endParaRPr sz="1400">
+              <a:latin typeface="Times New Roman"/>
+              <a:ea typeface="Times New Roman"/>
+              <a:cs typeface="Times New Roman"/>
+              <a:sym typeface="Times New Roman"/>
+            </a:endParaRPr>
+          </a:p>
+          <a:p>
+            <a:pPr indent="457200" lvl="0" marL="0" rtl="0" algn="l">
+              <a:spcBef>
+                <a:spcPts val="0"/>
+              </a:spcBef>
+              <a:spcAft>
+                <a:spcPts val="0"/>
+              </a:spcAft>
+              <a:buClr>
+                <a:schemeClr val="dk1"/>
+              </a:buClr>
+              <a:buSzPts val="1100"/>
+              <a:buFont typeface="Arial"/>
+              <a:buNone/>
+            </a:pPr>
+            <a:r>
+              <a:rPr b="1" lang="en-US" sz="1400">
+                <a:solidFill>
+                  <a:schemeClr val="dk1"/>
+                </a:solidFill>
+                <a:latin typeface="Times New Roman"/>
+                <a:ea typeface="Times New Roman"/>
+                <a:cs typeface="Times New Roman"/>
+                <a:sym typeface="Times New Roman"/>
+              </a:rPr>
+              <a:t> We selected the most popular 30 scene classes (including the initial 10 classes in SceneSBR and SceneIBR from the 88 available category labels in the Places88 , via a voting mechanism based on the collaborative judgement of three people.  Then, to collect data (sketches, images, and models) for the additional 20 classes, we gathered from Flicker and Google Image for sketches and images, and downloaded SketchUp 3D scene models </a:t>
+            </a:r>
+            <a:endParaRPr b="1" sz="1400">
               <a:solidFill>
                 <a:schemeClr val="dk1"/>
               </a:solidFill>
-              <a:latin typeface="Calibri"/>
-              <a:ea typeface="Calibri"/>
-              <a:cs typeface="Calibri"/>
-              <a:sym typeface="Calibri"/>
-            </a:endParaRPr>
-          </a:p>
-          <a:p>
-            <a:pPr indent="-298450" lvl="0" marL="457200" rtl="0" algn="l">
-              <a:lnSpc>
-                <a:spcPct val="115000"/>
-              </a:lnSpc>
-              <a:spcBef>
-                <a:spcPts val="0"/>
-              </a:spcBef>
-              <a:spcAft>
-                <a:spcPts val="0"/>
-              </a:spcAft>
-              <a:buClr>
-                <a:schemeClr val="dk1"/>
-              </a:buClr>
-              <a:buSzPts val="1100"/>
-              <a:buChar char="●"/>
-            </a:pPr>
-            <a:r>
-              <a:rPr lang="en-US">
-                <a:solidFill>
-                  <a:schemeClr val="dk1"/>
-                </a:solidFill>
-              </a:rPr>
-              <a:t>2D Scene Sketch Query Dataset (Subset 1). The 2D scene sketch query set comprises 750 2D scene sketches (30 classes, each with 25 sketches). One example per class is demonstrated in Fig. 1.</a:t>
-            </a:r>
-            <a:endParaRPr>
+              <a:latin typeface="Times New Roman"/>
+              <a:ea typeface="Times New Roman"/>
+              <a:cs typeface="Times New Roman"/>
+              <a:sym typeface="Times New Roman"/>
+            </a:endParaRPr>
+          </a:p>
+          <a:p>
+            <a:pPr indent="0" lvl="0" marL="0" rtl="0" algn="l">
+              <a:spcBef>
+                <a:spcPts val="0"/>
+              </a:spcBef>
+              <a:spcAft>
+                <a:spcPts val="0"/>
+              </a:spcAft>
+              <a:buNone/>
+            </a:pPr>
+            <a:r>
+              <a:t/>
+            </a:r>
+            <a:endParaRPr b="1" sz="1400">
               <a:solidFill>
                 <a:schemeClr val="dk1"/>
               </a:solidFill>
-            </a:endParaRPr>
-          </a:p>
-          <a:p>
-            <a:pPr indent="-298450" lvl="0" marL="457200" rtl="0" algn="l">
-              <a:lnSpc>
-                <a:spcPct val="115000"/>
-              </a:lnSpc>
-              <a:spcBef>
-                <a:spcPts val="0"/>
-              </a:spcBef>
-              <a:spcAft>
-                <a:spcPts val="0"/>
-              </a:spcAft>
-              <a:buClr>
-                <a:schemeClr val="dk1"/>
-              </a:buClr>
-              <a:buSzPts val="1100"/>
-              <a:buChar char="●"/>
-            </a:pPr>
-            <a:r>
-              <a:rPr lang="en-US">
-                <a:solidFill>
-                  <a:schemeClr val="dk1"/>
-                </a:solidFill>
-              </a:rPr>
-              <a:t>2D Scene Image Query Dataset (Subset 2). The 2D scene image query set is composed of 30,000 scene images (30 classes, each with 1,000 images). One example per class is demonstrated in Fig. 2. </a:t>
-            </a:r>
-            <a:endParaRPr>
+              <a:latin typeface="Times New Roman"/>
+              <a:ea typeface="Times New Roman"/>
+              <a:cs typeface="Times New Roman"/>
+              <a:sym typeface="Times New Roman"/>
+            </a:endParaRPr>
+          </a:p>
+          <a:p>
+            <a:pPr indent="457200" lvl="0" marL="0" rtl="0" algn="l">
+              <a:spcBef>
+                <a:spcPts val="0"/>
+              </a:spcBef>
+              <a:spcAft>
+                <a:spcPts val="0"/>
+              </a:spcAft>
+              <a:buNone/>
+            </a:pPr>
+            <a:r>
+              <a:t/>
+            </a:r>
+            <a:endParaRPr b="1" sz="1400">
               <a:solidFill>
                 <a:schemeClr val="dk1"/>
               </a:solidFill>
-            </a:endParaRPr>
-          </a:p>
-          <a:p>
-            <a:pPr indent="-298450" lvl="0" marL="457200" rtl="0" algn="l">
-              <a:lnSpc>
-                <a:spcPct val="115000"/>
-              </a:lnSpc>
-              <a:spcBef>
-                <a:spcPts val="0"/>
-              </a:spcBef>
-              <a:spcAft>
-                <a:spcPts val="0"/>
-              </a:spcAft>
-              <a:buClr>
-                <a:schemeClr val="dk1"/>
-              </a:buClr>
-              <a:buSzPts val="1100"/>
-              <a:buChar char="●"/>
-            </a:pPr>
-            <a:r>
-              <a:rPr lang="en-US">
-                <a:solidFill>
-                  <a:schemeClr val="dk1"/>
-                </a:solidFill>
-              </a:rPr>
-              <a:t>3D Scene Model Target Dataset (Subset 3). The 3D scene dataset is built on the selected 3,000 3D scene models downloaded from 3D Warehouse. Each class has 100 3D scene models. One example per class is shown in Fig. 3.</a:t>
-            </a:r>
-            <a:endParaRPr sz="1400">
-              <a:solidFill>
-                <a:schemeClr val="dk1"/>
-              </a:solidFill>
-              <a:latin typeface="Calibri"/>
-              <a:ea typeface="Calibri"/>
-              <a:cs typeface="Calibri"/>
-              <a:sym typeface="Calibri"/>
-            </a:endParaRPr>
-          </a:p>
-          <a:p>
-            <a:pPr indent="0" lvl="0" marL="0" rtl="0" algn="l">
-              <a:spcBef>
-                <a:spcPts val="0"/>
-              </a:spcBef>
-              <a:spcAft>
-                <a:spcPts val="0"/>
-              </a:spcAft>
-              <a:buClr>
-                <a:schemeClr val="dk1"/>
-              </a:buClr>
-              <a:buSzPts val="1100"/>
-              <a:buFont typeface="Arial"/>
-              <a:buNone/>
-            </a:pPr>
-            <a:r>
-              <a:t/>
-            </a:r>
-            <a:endParaRPr sz="1400">
-              <a:solidFill>
-                <a:schemeClr val="dk1"/>
-              </a:solidFill>
-              <a:latin typeface="Calibri"/>
-              <a:ea typeface="Calibri"/>
-              <a:cs typeface="Calibri"/>
-              <a:sym typeface="Calibri"/>
-            </a:endParaRPr>
-          </a:p>
-          <a:p>
-            <a:pPr indent="0" lvl="0" marL="0" rtl="0" algn="l">
-              <a:spcBef>
-                <a:spcPts val="0"/>
-              </a:spcBef>
-              <a:spcAft>
-                <a:spcPts val="0"/>
-              </a:spcAft>
-              <a:buClr>
-                <a:schemeClr val="dk1"/>
-              </a:buClr>
-              <a:buSzPts val="1100"/>
-              <a:buFont typeface="Arial"/>
-              <a:buNone/>
-            </a:pPr>
-            <a:r>
-              <a:t/>
-            </a:r>
-            <a:endParaRPr>
-              <a:solidFill>
-                <a:schemeClr val="dk1"/>
-              </a:solidFill>
-            </a:endParaRPr>
-          </a:p>
-          <a:p>
-            <a:pPr indent="0" lvl="0" marL="0" rtl="0" algn="l">
-              <a:spcBef>
-                <a:spcPts val="0"/>
-              </a:spcBef>
-              <a:spcAft>
-                <a:spcPts val="0"/>
-              </a:spcAft>
-              <a:buNone/>
-            </a:pPr>
-            <a:r>
-              <a:t/>
-            </a:r>
-            <a:endParaRPr/>
+              <a:latin typeface="Times New Roman"/>
+              <a:ea typeface="Times New Roman"/>
+              <a:cs typeface="Times New Roman"/>
+              <a:sym typeface="Times New Roman"/>
+            </a:endParaRPr>
           </a:p>
         </p:txBody>
       </p:sp>
@@ -1778,6 +1657,29 @@
             </a:endParaRPr>
           </a:p>
           <a:p>
+            <a:pPr indent="0" lvl="0" marL="457200" rtl="0" algn="l">
+              <a:spcBef>
+                <a:spcPts val="0"/>
+              </a:spcBef>
+              <a:spcAft>
+                <a:spcPts val="0"/>
+              </a:spcAft>
+              <a:buNone/>
+            </a:pPr>
+            <a:r>
+              <a:t/>
+            </a:r>
+            <a:endParaRPr sz="2500">
+              <a:solidFill>
+                <a:schemeClr val="dk1"/>
+              </a:solidFill>
+              <a:latin typeface="Georgia"/>
+              <a:ea typeface="Georgia"/>
+              <a:cs typeface="Georgia"/>
+              <a:sym typeface="Georgia"/>
+            </a:endParaRPr>
+          </a:p>
+          <a:p>
             <a:pPr indent="0" lvl="0" marL="0" rtl="0" algn="l">
               <a:spcBef>
                 <a:spcPts val="0"/>
@@ -2010,7 +1912,7 @@
               <a:buNone/>
             </a:pPr>
             <a:r>
-              <a:rPr b="1" lang="en-US" sz="1400">
+              <a:rPr b="1" lang="en-US" sz="2400">
                 <a:solidFill>
                   <a:schemeClr val="dk1"/>
                 </a:solidFill>
@@ -2019,80 +1921,57 @@
                 <a:cs typeface="Times New Roman"/>
                 <a:sym typeface="Times New Roman"/>
               </a:rPr>
-              <a:t>The 2D Scene Image Query Dataset</a:t>
-            </a:r>
-            <a:r>
-              <a:rPr b="1" lang="en-US" sz="1400">
+              <a:t>The 2D Scene Image Query Dataset is </a:t>
+            </a:r>
+            <a:r>
+              <a:rPr lang="en-US" sz="2400">
                 <a:solidFill>
                   <a:schemeClr val="dk1"/>
                 </a:solidFill>
-                <a:latin typeface="Times New Roman"/>
-                <a:ea typeface="Times New Roman"/>
-                <a:cs typeface="Times New Roman"/>
-                <a:sym typeface="Times New Roman"/>
+              </a:rPr>
+              <a:t>c</a:t>
+            </a:r>
+            <a:r>
+              <a:rPr lang="en-US" sz="2400">
+                <a:solidFill>
+                  <a:schemeClr val="dk1"/>
+                </a:solidFill>
+              </a:rPr>
+              <a:t>omposed of 30,000 scene images using categories from Places88 </a:t>
+            </a:r>
+            <a:r>
+              <a:rPr lang="en-US" sz="2400">
+                <a:solidFill>
+                  <a:srgbClr val="0000FF"/>
+                </a:solidFill>
+                <a:latin typeface="Georgia"/>
+                <a:ea typeface="Georgia"/>
+                <a:cs typeface="Georgia"/>
+                <a:sym typeface="Georgia"/>
+              </a:rPr>
+              <a:t>[7]</a:t>
+            </a:r>
+            <a:r>
+              <a:rPr lang="en-US" sz="2400">
+                <a:solidFill>
+                  <a:srgbClr val="0000FF"/>
+                </a:solidFill>
+                <a:latin typeface="Georgia"/>
+                <a:ea typeface="Georgia"/>
+                <a:cs typeface="Georgia"/>
+                <a:sym typeface="Georgia"/>
               </a:rPr>
               <a:t> </a:t>
             </a:r>
             <a:r>
-              <a:rPr lang="en-US" sz="1400">
+              <a:rPr lang="en-US" sz="2400">
                 <a:solidFill>
                   <a:schemeClr val="dk1"/>
                 </a:solidFill>
-                <a:latin typeface="Times New Roman"/>
-                <a:ea typeface="Times New Roman"/>
-                <a:cs typeface="Times New Roman"/>
-                <a:sym typeface="Times New Roman"/>
-              </a:rPr>
-              <a:t>utilizes 2D scene categories from Places88 and </a:t>
-            </a:r>
-            <a:r>
-              <a:rPr b="1" lang="en-US" sz="1400">
-                <a:solidFill>
-                  <a:schemeClr val="dk1"/>
-                </a:solidFill>
-                <a:latin typeface="Calibri"/>
-                <a:ea typeface="Calibri"/>
-                <a:cs typeface="Calibri"/>
-                <a:sym typeface="Calibri"/>
-              </a:rPr>
-              <a:t>contain </a:t>
-            </a:r>
-            <a:r>
-              <a:rPr lang="en-US" sz="1400">
-                <a:solidFill>
-                  <a:schemeClr val="dk1"/>
-                </a:solidFill>
-                <a:latin typeface="Calibri"/>
-                <a:ea typeface="Calibri"/>
-                <a:cs typeface="Calibri"/>
-                <a:sym typeface="Calibri"/>
-              </a:rPr>
-              <a:t>30,000 2D scene images categorized into 30 classes, each with 1,000 images each</a:t>
-            </a:r>
-            <a:endParaRPr sz="1400">
-              <a:solidFill>
-                <a:schemeClr val="dk1"/>
-              </a:solidFill>
-              <a:latin typeface="Calibri"/>
-              <a:ea typeface="Calibri"/>
-              <a:cs typeface="Calibri"/>
-              <a:sym typeface="Calibri"/>
-            </a:endParaRPr>
-          </a:p>
-          <a:p>
-            <a:pPr indent="0" lvl="0" marL="0" rtl="0" algn="l">
-              <a:spcBef>
-                <a:spcPts val="0"/>
-              </a:spcBef>
-              <a:spcAft>
-                <a:spcPts val="0"/>
-              </a:spcAft>
-              <a:buNone/>
-            </a:pPr>
-            <a:r>
-              <a:t/>
-            </a:r>
-            <a:endParaRPr/>
+              </a:rPr>
+              <a:t>(30 classes, each with 1,000 images). </a:t>
+            </a:r>
+            <a:endParaRPr sz="2400"/>
           </a:p>
         </p:txBody>
       </p:sp>
@@ -2278,7 +2157,7 @@
           </a:bodyPr>
           <a:lstStyle/>
           <a:p>
-            <a:pPr indent="-16827" lvl="1" marL="474027" rtl="0" algn="l">
+            <a:pPr indent="0" lvl="0" marL="0" rtl="0" algn="l">
               <a:spcBef>
                 <a:spcPts val="500"/>
               </a:spcBef>
@@ -2288,9 +2167,9 @@
               <a:buClr>
                 <a:schemeClr val="dk1"/>
               </a:buClr>
-              <a:buSzPts val="1400"/>
-              <a:buFont typeface="Courier New"/>
-              <a:buChar char="o"/>
+              <a:buSzPts val="1100"/>
+              <a:buFont typeface="Arial"/>
+              <a:buNone/>
             </a:pPr>
             <a:r>
               <a:rPr b="1" lang="en-US" sz="1400">
@@ -2736,7 +2615,7 @@
   <p:cSld>
     <p:spTree>
       <p:nvGrpSpPr>
-        <p:cNvPr id="203" name="Shape 203"/>
+        <p:cNvPr id="202" name="Shape 202"/>
         <p:cNvGrpSpPr/>
         <p:nvPr/>
       </p:nvGrpSpPr>
@@ -2750,7 +2629,7 @@
       </p:grpSpPr>
       <p:sp>
         <p:nvSpPr>
-          <p:cNvPr id="204" name="Google Shape;204;g4e26236aaa_1_36:notes"/>
+          <p:cNvPr id="203" name="Google Shape;203;g4e26236aaa_1_36:notes"/>
           <p:cNvSpPr txBox="1"/>
           <p:nvPr>
             <p:ph idx="1" type="body"/>
@@ -2804,7 +2683,7 @@
       </p:sp>
       <p:sp>
         <p:nvSpPr>
-          <p:cNvPr id="205" name="Google Shape;205;g4e26236aaa_1_36:notes"/>
+          <p:cNvPr id="204" name="Google Shape;204;g4e26236aaa_1_36:notes"/>
           <p:cNvSpPr txBox="1"/>
           <p:nvPr/>
         </p:nvSpPr>
@@ -2865,7 +2744,7 @@
       </p:sp>
       <p:sp>
         <p:nvSpPr>
-          <p:cNvPr id="206" name="Google Shape;206;g4e26236aaa_1_36:notes"/>
+          <p:cNvPr id="205" name="Google Shape;205;g4e26236aaa_1_36:notes"/>
           <p:cNvSpPr/>
           <p:nvPr>
             <p:ph idx="2" type="sldImg"/>
@@ -3086,7 +2965,7 @@
   <p:cSld>
     <p:spTree>
       <p:nvGrpSpPr>
-        <p:cNvPr id="211" name="Shape 211"/>
+        <p:cNvPr id="210" name="Shape 210"/>
         <p:cNvGrpSpPr/>
         <p:nvPr/>
       </p:nvGrpSpPr>
@@ -3100,7 +2979,7 @@
       </p:grpSpPr>
       <p:sp>
         <p:nvSpPr>
-          <p:cNvPr id="212" name="Google Shape;212;g4c6a5ee05d_0_5:notes"/>
+          <p:cNvPr id="211" name="Google Shape;211;g4c6a5ee05d_0_5:notes"/>
           <p:cNvSpPr/>
           <p:nvPr>
             <p:ph idx="2" type="sldImg"/>
@@ -3135,7 +3014,7 @@
       </p:sp>
       <p:sp>
         <p:nvSpPr>
-          <p:cNvPr id="213" name="Google Shape;213;g4c6a5ee05d_0_5:notes"/>
+          <p:cNvPr id="212" name="Google Shape;212;g4c6a5ee05d_0_5:notes"/>
           <p:cNvSpPr txBox="1"/>
           <p:nvPr>
             <p:ph idx="1" type="body"/>
@@ -3185,7 +3064,7 @@
   <p:cSld>
     <p:spTree>
       <p:nvGrpSpPr>
-        <p:cNvPr id="217" name="Shape 217"/>
+        <p:cNvPr id="216" name="Shape 216"/>
         <p:cNvGrpSpPr/>
         <p:nvPr/>
       </p:nvGrpSpPr>
@@ -3199,7 +3078,7 @@
       </p:grpSpPr>
       <p:sp>
         <p:nvSpPr>
-          <p:cNvPr id="218" name="Google Shape;218;g4c6a5ee765_1_24:notes"/>
+          <p:cNvPr id="217" name="Google Shape;217;g4c6a5ee765_1_24:notes"/>
           <p:cNvSpPr/>
           <p:nvPr>
             <p:ph idx="2" type="sldImg"/>
@@ -3234,7 +3113,7 @@
       </p:sp>
       <p:sp>
         <p:nvSpPr>
-          <p:cNvPr id="219" name="Google Shape;219;g4c6a5ee765_1_24:notes"/>
+          <p:cNvPr id="218" name="Google Shape;218;g4c6a5ee765_1_24:notes"/>
           <p:cNvSpPr txBox="1"/>
           <p:nvPr>
             <p:ph idx="1" type="body"/>
@@ -3284,7 +3163,7 @@
   <p:cSld>
     <p:spTree>
       <p:nvGrpSpPr>
-        <p:cNvPr id="224" name="Shape 224"/>
+        <p:cNvPr id="223" name="Shape 223"/>
         <p:cNvGrpSpPr/>
         <p:nvPr/>
       </p:nvGrpSpPr>
@@ -3298,7 +3177,7 @@
       </p:grpSpPr>
       <p:sp>
         <p:nvSpPr>
-          <p:cNvPr id="225" name="Google Shape;225;g4c6a5ee05d_0_9:notes"/>
+          <p:cNvPr id="224" name="Google Shape;224;g4c6a5ee05d_0_9:notes"/>
           <p:cNvSpPr/>
           <p:nvPr>
             <p:ph idx="2" type="sldImg"/>
@@ -3333,7 +3212,7 @@
       </p:sp>
       <p:sp>
         <p:nvSpPr>
-          <p:cNvPr id="226" name="Google Shape;226;g4c6a5ee05d_0_9:notes"/>
+          <p:cNvPr id="225" name="Google Shape;225;g4c6a5ee05d_0_9:notes"/>
           <p:cNvSpPr txBox="1"/>
           <p:nvPr>
             <p:ph idx="1" type="body"/>
@@ -4143,7 +4022,7 @@
   <p:cSld>
     <p:spTree>
       <p:nvGrpSpPr>
-        <p:cNvPr id="232" name="Shape 232"/>
+        <p:cNvPr id="231" name="Shape 231"/>
         <p:cNvGrpSpPr/>
         <p:nvPr/>
       </p:nvGrpSpPr>
@@ -4157,7 +4036,7 @@
       </p:grpSpPr>
       <p:sp>
         <p:nvSpPr>
-          <p:cNvPr id="233" name="Google Shape;233;g4e26236aaa_1_42:notes"/>
+          <p:cNvPr id="232" name="Google Shape;232;g4e26236aaa_1_42:notes"/>
           <p:cNvSpPr txBox="1"/>
           <p:nvPr>
             <p:ph idx="1" type="body"/>
@@ -4211,7 +4090,7 @@
       </p:sp>
       <p:sp>
         <p:nvSpPr>
-          <p:cNvPr id="234" name="Google Shape;234;g4e26236aaa_1_42:notes"/>
+          <p:cNvPr id="233" name="Google Shape;233;g4e26236aaa_1_42:notes"/>
           <p:cNvSpPr txBox="1"/>
           <p:nvPr/>
         </p:nvSpPr>
@@ -4272,7 +4151,7 @@
       </p:sp>
       <p:sp>
         <p:nvSpPr>
-          <p:cNvPr id="235" name="Google Shape;235;g4e26236aaa_1_42:notes"/>
+          <p:cNvPr id="234" name="Google Shape;234;g4e26236aaa_1_42:notes"/>
           <p:cNvSpPr/>
           <p:nvPr>
             <p:ph idx="2" type="sldImg"/>
@@ -4318,7 +4197,7 @@
   <p:cSld>
     <p:spTree>
       <p:nvGrpSpPr>
-        <p:cNvPr id="240" name="Shape 240"/>
+        <p:cNvPr id="239" name="Shape 239"/>
         <p:cNvGrpSpPr/>
         <p:nvPr/>
       </p:nvGrpSpPr>
@@ -4332,7 +4211,7 @@
       </p:grpSpPr>
       <p:sp>
         <p:nvSpPr>
-          <p:cNvPr id="241" name="Google Shape;241;p28:notes"/>
+          <p:cNvPr id="240" name="Google Shape;240;p28:notes"/>
           <p:cNvSpPr txBox="1"/>
           <p:nvPr>
             <p:ph idx="1" type="body"/>
@@ -4642,7 +4521,7 @@
       </p:sp>
       <p:sp>
         <p:nvSpPr>
-          <p:cNvPr id="242" name="Google Shape;242;p28:notes"/>
+          <p:cNvPr id="241" name="Google Shape;241;p28:notes"/>
           <p:cNvSpPr/>
           <p:nvPr/>
         </p:nvSpPr>
@@ -4703,7 +4582,7 @@
       </p:sp>
       <p:sp>
         <p:nvSpPr>
-          <p:cNvPr id="243" name="Google Shape;243;p28:notes"/>
+          <p:cNvPr id="242" name="Google Shape;242;p28:notes"/>
           <p:cNvSpPr/>
           <p:nvPr>
             <p:ph idx="2" type="sldImg"/>
@@ -4749,7 +4628,7 @@
   <p:cSld>
     <p:spTree>
       <p:nvGrpSpPr>
-        <p:cNvPr id="248" name="Shape 248"/>
+        <p:cNvPr id="247" name="Shape 247"/>
         <p:cNvGrpSpPr/>
         <p:nvPr/>
       </p:nvGrpSpPr>
@@ -4763,7 +4642,7 @@
       </p:grpSpPr>
       <p:sp>
         <p:nvSpPr>
-          <p:cNvPr id="249" name="Google Shape;249;p30:notes"/>
+          <p:cNvPr id="248" name="Google Shape;248;p30:notes"/>
           <p:cNvSpPr txBox="1"/>
           <p:nvPr>
             <p:ph idx="1" type="body"/>
@@ -4913,7 +4792,7 @@
       </p:sp>
       <p:sp>
         <p:nvSpPr>
-          <p:cNvPr id="250" name="Google Shape;250;p30:notes"/>
+          <p:cNvPr id="249" name="Google Shape;249;p30:notes"/>
           <p:cNvSpPr/>
           <p:nvPr/>
         </p:nvSpPr>
@@ -4974,7 +4853,7 @@
       </p:sp>
       <p:sp>
         <p:nvSpPr>
-          <p:cNvPr id="251" name="Google Shape;251;p30:notes"/>
+          <p:cNvPr id="250" name="Google Shape;250;p30:notes"/>
           <p:cNvSpPr/>
           <p:nvPr>
             <p:ph idx="2" type="sldImg"/>
@@ -5020,7 +4899,7 @@
   <p:cSld>
     <p:spTree>
       <p:nvGrpSpPr>
-        <p:cNvPr id="257" name="Shape 257"/>
+        <p:cNvPr id="256" name="Shape 256"/>
         <p:cNvGrpSpPr/>
         <p:nvPr/>
       </p:nvGrpSpPr>
@@ -5034,7 +4913,7 @@
       </p:grpSpPr>
       <p:sp>
         <p:nvSpPr>
-          <p:cNvPr id="258" name="Google Shape;258;g4e26236aaa_1_48:notes"/>
+          <p:cNvPr id="257" name="Google Shape;257;g4e26236aaa_1_48:notes"/>
           <p:cNvSpPr txBox="1"/>
           <p:nvPr>
             <p:ph idx="1" type="body"/>
@@ -5088,7 +4967,7 @@
       </p:sp>
       <p:sp>
         <p:nvSpPr>
-          <p:cNvPr id="259" name="Google Shape;259;g4e26236aaa_1_48:notes"/>
+          <p:cNvPr id="258" name="Google Shape;258;g4e26236aaa_1_48:notes"/>
           <p:cNvSpPr txBox="1"/>
           <p:nvPr/>
         </p:nvSpPr>
@@ -5149,7 +5028,7 @@
       </p:sp>
       <p:sp>
         <p:nvSpPr>
-          <p:cNvPr id="260" name="Google Shape;260;g4e26236aaa_1_48:notes"/>
+          <p:cNvPr id="259" name="Google Shape;259;g4e26236aaa_1_48:notes"/>
           <p:cNvSpPr/>
           <p:nvPr>
             <p:ph idx="2" type="sldImg"/>
@@ -5195,7 +5074,7 @@
   <p:cSld>
     <p:spTree>
       <p:nvGrpSpPr>
-        <p:cNvPr id="265" name="Shape 265"/>
+        <p:cNvPr id="264" name="Shape 264"/>
         <p:cNvGrpSpPr/>
         <p:nvPr/>
       </p:nvGrpSpPr>
@@ -5209,7 +5088,7 @@
       </p:grpSpPr>
       <p:sp>
         <p:nvSpPr>
-          <p:cNvPr id="266" name="Google Shape;266;p33:notes"/>
+          <p:cNvPr id="265" name="Google Shape;265;p33:notes"/>
           <p:cNvSpPr txBox="1"/>
           <p:nvPr>
             <p:ph idx="1" type="body"/>
@@ -5667,7 +5546,7 @@
       </p:sp>
       <p:sp>
         <p:nvSpPr>
-          <p:cNvPr id="267" name="Google Shape;267;p33:notes"/>
+          <p:cNvPr id="266" name="Google Shape;266;p33:notes"/>
           <p:cNvSpPr txBox="1"/>
           <p:nvPr/>
         </p:nvSpPr>
@@ -5728,7 +5607,7 @@
       </p:sp>
       <p:sp>
         <p:nvSpPr>
-          <p:cNvPr id="268" name="Google Shape;268;p33:notes"/>
+          <p:cNvPr id="267" name="Google Shape;267;p33:notes"/>
           <p:cNvSpPr/>
           <p:nvPr>
             <p:ph idx="2" type="sldImg"/>
@@ -5774,7 +5653,7 @@
   <p:cSld>
     <p:spTree>
       <p:nvGrpSpPr>
-        <p:cNvPr id="273" name="Shape 273"/>
+        <p:cNvPr id="272" name="Shape 272"/>
         <p:cNvGrpSpPr/>
         <p:nvPr/>
       </p:nvGrpSpPr>
@@ -5788,7 +5667,7 @@
       </p:grpSpPr>
       <p:sp>
         <p:nvSpPr>
-          <p:cNvPr id="274" name="Google Shape;274;g4e30158d7f_0_52:notes"/>
+          <p:cNvPr id="273" name="Google Shape;273;g4e30158d7f_0_52:notes"/>
           <p:cNvSpPr txBox="1"/>
           <p:nvPr>
             <p:ph idx="1" type="body"/>
@@ -6170,7 +6049,7 @@
       </p:sp>
       <p:sp>
         <p:nvSpPr>
-          <p:cNvPr id="275" name="Google Shape;275;g4e30158d7f_0_52:notes"/>
+          <p:cNvPr id="274" name="Google Shape;274;g4e30158d7f_0_52:notes"/>
           <p:cNvSpPr txBox="1"/>
           <p:nvPr/>
         </p:nvSpPr>
@@ -6231,7 +6110,7 @@
       </p:sp>
       <p:sp>
         <p:nvSpPr>
-          <p:cNvPr id="276" name="Google Shape;276;g4e30158d7f_0_52:notes"/>
+          <p:cNvPr id="275" name="Google Shape;275;g4e30158d7f_0_52:notes"/>
           <p:cNvSpPr/>
           <p:nvPr>
             <p:ph idx="2" type="sldImg"/>
@@ -6277,7 +6156,7 @@
   <p:cSld>
     <p:spTree>
       <p:nvGrpSpPr>
-        <p:cNvPr id="281" name="Shape 281"/>
+        <p:cNvPr id="280" name="Shape 280"/>
         <p:cNvGrpSpPr/>
         <p:nvPr/>
       </p:nvGrpSpPr>
@@ -6291,7 +6170,7 @@
       </p:grpSpPr>
       <p:sp>
         <p:nvSpPr>
-          <p:cNvPr id="282" name="Google Shape;282;g4e26236aaa_1_89:notes"/>
+          <p:cNvPr id="281" name="Google Shape;281;g4e26236aaa_1_89:notes"/>
           <p:cNvSpPr txBox="1"/>
           <p:nvPr>
             <p:ph idx="1" type="body"/>
@@ -6345,7 +6224,7 @@
       </p:sp>
       <p:sp>
         <p:nvSpPr>
-          <p:cNvPr id="283" name="Google Shape;283;g4e26236aaa_1_89:notes"/>
+          <p:cNvPr id="282" name="Google Shape;282;g4e26236aaa_1_89:notes"/>
           <p:cNvSpPr txBox="1"/>
           <p:nvPr/>
         </p:nvSpPr>
@@ -6406,7 +6285,7 @@
       </p:sp>
       <p:sp>
         <p:nvSpPr>
-          <p:cNvPr id="284" name="Google Shape;284;g4e26236aaa_1_89:notes"/>
+          <p:cNvPr id="283" name="Google Shape;283;g4e26236aaa_1_89:notes"/>
           <p:cNvSpPr/>
           <p:nvPr>
             <p:ph idx="2" type="sldImg"/>
@@ -6804,7 +6683,7 @@
   <p:cSld>
     <p:spTree>
       <p:nvGrpSpPr>
-        <p:cNvPr id="289" name="Shape 289"/>
+        <p:cNvPr id="288" name="Shape 288"/>
         <p:cNvGrpSpPr/>
         <p:nvPr/>
       </p:nvGrpSpPr>
@@ -6818,7 +6697,7 @@
       </p:grpSpPr>
       <p:sp>
         <p:nvSpPr>
-          <p:cNvPr id="290" name="Google Shape;290;p35:notes"/>
+          <p:cNvPr id="289" name="Google Shape;289;p35:notes"/>
           <p:cNvSpPr txBox="1"/>
           <p:nvPr>
             <p:ph idx="1" type="body"/>
@@ -6857,7 +6736,7 @@
       </p:sp>
       <p:sp>
         <p:nvSpPr>
-          <p:cNvPr id="291" name="Google Shape;291;p35:notes"/>
+          <p:cNvPr id="290" name="Google Shape;290;p35:notes"/>
           <p:cNvSpPr/>
           <p:nvPr>
             <p:ph idx="2" type="sldImg"/>
@@ -14266,7 +14145,7 @@
                 <a:cs typeface="Georgia"/>
                 <a:sym typeface="Georgia"/>
               </a:rPr>
-              <a:t>Scene_SBR_IBR Benchmark </a:t>
+              <a:t>Scene_SBR_IBR Benchmark Overview  </a:t>
             </a:r>
             <a:endParaRPr sz="3300">
               <a:solidFill>
@@ -14329,7 +14208,7 @@
                 <a:cs typeface="Georgia"/>
                 <a:sym typeface="Georgia"/>
               </a:rPr>
-              <a:t>Scene_SBR:</a:t>
+              <a:t>Overview:</a:t>
             </a:r>
             <a:endParaRPr sz="2500">
               <a:latin typeface="Georgia"/>
@@ -14358,6 +14237,116 @@
             </a:pPr>
             <a:r>
               <a:rPr lang="en-US" sz="2500">
+                <a:latin typeface="Georgia"/>
+                <a:ea typeface="Georgia"/>
+                <a:cs typeface="Georgia"/>
+                <a:sym typeface="Georgia"/>
+              </a:rPr>
+              <a:t>We have </a:t>
+            </a:r>
+            <a:r>
+              <a:rPr lang="en-US" sz="2500">
+                <a:latin typeface="Georgia"/>
+                <a:ea typeface="Georgia"/>
+                <a:cs typeface="Georgia"/>
+                <a:sym typeface="Georgia"/>
+              </a:rPr>
+              <a:t>substantially</a:t>
+            </a:r>
+            <a:r>
+              <a:rPr lang="en-US" sz="2500">
+                <a:latin typeface="Georgia"/>
+                <a:ea typeface="Georgia"/>
+                <a:cs typeface="Georgia"/>
+                <a:sym typeface="Georgia"/>
+              </a:rPr>
+              <a:t> extended the SceneSBR and SceneIBR with 20 additional classes </a:t>
+            </a:r>
+            <a:r>
+              <a:rPr lang="en-US" sz="2500">
+                <a:solidFill>
+                  <a:srgbClr val="0000FF"/>
+                </a:solidFill>
+                <a:latin typeface="Georgia"/>
+                <a:ea typeface="Georgia"/>
+                <a:cs typeface="Georgia"/>
+                <a:sym typeface="Georgia"/>
+              </a:rPr>
+              <a:t>[7, 8]</a:t>
+            </a:r>
+            <a:endParaRPr sz="2500">
+              <a:solidFill>
+                <a:srgbClr val="0000FF"/>
+              </a:solidFill>
+              <a:latin typeface="Georgia"/>
+              <a:ea typeface="Georgia"/>
+              <a:cs typeface="Georgia"/>
+              <a:sym typeface="Georgia"/>
+            </a:endParaRPr>
+          </a:p>
+          <a:p>
+            <a:pPr indent="-387350" lvl="0" marL="457200" marR="0" rtl="0" algn="l">
+              <a:lnSpc>
+                <a:spcPct val="100000"/>
+              </a:lnSpc>
+              <a:spcBef>
+                <a:spcPts val="0"/>
+              </a:spcBef>
+              <a:spcAft>
+                <a:spcPts val="0"/>
+              </a:spcAft>
+              <a:buClr>
+                <a:srgbClr val="D16349"/>
+              </a:buClr>
+              <a:buSzPts val="2500"/>
+              <a:buFont typeface="Georgia"/>
+              <a:buChar char="●"/>
+            </a:pPr>
+            <a:r>
+              <a:rPr lang="en-US" sz="2500">
+                <a:latin typeface="Georgia"/>
+                <a:ea typeface="Georgia"/>
+                <a:cs typeface="Georgia"/>
+                <a:sym typeface="Georgia"/>
+              </a:rPr>
+              <a:t>Motivation</a:t>
+            </a:r>
+            <a:r>
+              <a:rPr lang="en-US" sz="2500">
+                <a:latin typeface="Georgia"/>
+                <a:ea typeface="Georgia"/>
+                <a:cs typeface="Georgia"/>
+                <a:sym typeface="Georgia"/>
+              </a:rPr>
+              <a:t>:</a:t>
+            </a:r>
+            <a:endParaRPr sz="2500">
+              <a:latin typeface="Georgia"/>
+              <a:ea typeface="Georgia"/>
+              <a:cs typeface="Georgia"/>
+              <a:sym typeface="Georgia"/>
+            </a:endParaRPr>
+          </a:p>
+          <a:p>
+            <a:pPr indent="-387350" lvl="1" marL="914400" marR="0" rtl="0" algn="l">
+              <a:lnSpc>
+                <a:spcPct val="100000"/>
+              </a:lnSpc>
+              <a:spcBef>
+                <a:spcPts val="0"/>
+              </a:spcBef>
+              <a:spcAft>
+                <a:spcPts val="0"/>
+              </a:spcAft>
+              <a:buClr>
+                <a:srgbClr val="D16349"/>
+              </a:buClr>
+              <a:buSzPts val="2500"/>
+              <a:buFont typeface="Georgia"/>
+              <a:buChar char="○"/>
+            </a:pPr>
+            <a:r>
+              <a:rPr lang="en-US" sz="2500">
                 <a:solidFill>
                   <a:schemeClr val="dk1"/>
                 </a:solidFill>
@@ -14366,39 +14355,7 @@
                 <a:cs typeface="Georgia"/>
                 <a:sym typeface="Georgia"/>
               </a:rPr>
-              <a:t>SceneSBR2018 benchmark </a:t>
-            </a:r>
-            <a:r>
-              <a:rPr lang="en-US" sz="2500">
-                <a:solidFill>
-                  <a:srgbClr val="0000FF"/>
-                </a:solidFill>
-                <a:latin typeface="Georgia"/>
-                <a:ea typeface="Georgia"/>
-                <a:cs typeface="Georgia"/>
-                <a:sym typeface="Georgia"/>
-              </a:rPr>
-              <a:t>[8]</a:t>
-            </a:r>
-            <a:r>
-              <a:rPr lang="en-US" sz="2500">
-                <a:solidFill>
-                  <a:schemeClr val="dk1"/>
-                </a:solidFill>
-                <a:latin typeface="Georgia"/>
-                <a:ea typeface="Georgia"/>
-                <a:cs typeface="Georgia"/>
-                <a:sym typeface="Georgia"/>
-              </a:rPr>
-              <a:t>, augmented further with from Flickr and Google Images totaling </a:t>
-            </a:r>
-            <a:r>
-              <a:rPr lang="en-US" sz="2500">
-                <a:solidFill>
-                  <a:schemeClr val="dk1"/>
-                </a:solidFill>
-              </a:rPr>
-              <a:t>750 2D scene sketches (30 classes, each with 25 sketches). </a:t>
+              <a:t>Results of SceneSBR and SceneIBR called for a more comprehensive dataset that can support both types of retrieval </a:t>
             </a:r>
             <a:endParaRPr sz="2500">
               <a:solidFill>
@@ -14422,17 +14379,32 @@
                 <a:srgbClr val="D16349"/>
               </a:buClr>
               <a:buSzPts val="2500"/>
-              <a:buFont typeface="Noto Sans Symbols"/>
+              <a:buFont typeface="Georgia"/>
               <a:buChar char="●"/>
             </a:pPr>
             <a:r>
               <a:rPr lang="en-US" sz="2500">
-                <a:latin typeface="Georgia"/>
-                <a:ea typeface="Georgia"/>
-                <a:cs typeface="Georgia"/>
-                <a:sym typeface="Georgia"/>
-              </a:rPr>
-              <a:t>Scene_IBR:</a:t>
+                <a:solidFill>
+                  <a:schemeClr val="dk1"/>
+                </a:solidFill>
+                <a:latin typeface="Georgia"/>
+                <a:ea typeface="Georgia"/>
+                <a:cs typeface="Georgia"/>
+                <a:sym typeface="Georgia"/>
+              </a:rPr>
+              <a:t>Building Process</a:t>
+            </a:r>
+            <a:r>
+              <a:rPr lang="en-US" sz="2500">
+                <a:solidFill>
+                  <a:schemeClr val="dk1"/>
+                </a:solidFill>
+                <a:latin typeface="Georgia"/>
+                <a:ea typeface="Georgia"/>
+                <a:cs typeface="Georgia"/>
+                <a:sym typeface="Georgia"/>
+              </a:rPr>
+              <a:t>:</a:t>
             </a:r>
             <a:endParaRPr sz="2500">
               <a:solidFill>
@@ -14465,39 +14437,71 @@
                   <a:schemeClr val="dk1"/>
                 </a:solidFill>
               </a:rPr>
-              <a:t>Composed of 30,000 scene images using categories from Places88 </a:t>
-            </a:r>
+              <a:t>Voting method amongst three individuals</a:t>
+            </a:r>
+            <a:endParaRPr sz="2500">
+              <a:solidFill>
+                <a:schemeClr val="dk1"/>
+              </a:solidFill>
+            </a:endParaRPr>
+          </a:p>
+          <a:p>
+            <a:pPr indent="-387350" lvl="1" marL="914400" rtl="0" algn="l">
+              <a:spcBef>
+                <a:spcPts val="0"/>
+              </a:spcBef>
+              <a:spcAft>
+                <a:spcPts val="0"/>
+              </a:spcAft>
+              <a:buClr>
+                <a:srgbClr val="D16349"/>
+              </a:buClr>
+              <a:buSzPts val="2500"/>
+              <a:buChar char="○"/>
+            </a:pPr>
             <a:r>
               <a:rPr lang="en-US" sz="2500">
                 <a:solidFill>
+                  <a:schemeClr val="dk1"/>
+                </a:solidFill>
+              </a:rPr>
+              <a:t>Scene labels chosen from Places88 </a:t>
+            </a:r>
+            <a:r>
+              <a:rPr lang="en-US" sz="2500">
+                <a:solidFill>
                   <a:srgbClr val="0000FF"/>
                 </a:solidFill>
-                <a:latin typeface="Georgia"/>
-                <a:ea typeface="Georgia"/>
-                <a:cs typeface="Georgia"/>
-                <a:sym typeface="Georgia"/>
-              </a:rPr>
-              <a:t>[7]</a:t>
-            </a:r>
+              </a:rPr>
+              <a:t>[9]</a:t>
+            </a:r>
+            <a:endParaRPr sz="2500">
+              <a:solidFill>
+                <a:srgbClr val="0000FF"/>
+              </a:solidFill>
+            </a:endParaRPr>
+          </a:p>
+          <a:p>
+            <a:pPr indent="-387350" lvl="1" marL="914400" rtl="0" algn="l">
+              <a:spcBef>
+                <a:spcPts val="0"/>
+              </a:spcBef>
+              <a:spcAft>
+                <a:spcPts val="0"/>
+              </a:spcAft>
+              <a:buClr>
+                <a:srgbClr val="D16349"/>
+              </a:buClr>
+              <a:buSzPts val="2500"/>
+              <a:buChar char="○"/>
+            </a:pPr>
             <a:r>
               <a:rPr lang="en-US" sz="2500">
                 <a:solidFill>
-                  <a:srgbClr val="0000FF"/>
-                </a:solidFill>
-                <a:latin typeface="Georgia"/>
-                <a:ea typeface="Georgia"/>
-                <a:cs typeface="Georgia"/>
-                <a:sym typeface="Georgia"/>
-              </a:rPr>
-              <a:t> </a:t>
-            </a:r>
-            <a:r>
-              <a:rPr lang="en-US" sz="2500">
-                <a:solidFill>
                   <a:schemeClr val="dk1"/>
                 </a:solidFill>
               </a:rPr>
-              <a:t>(30 classes, each with 1,000 images). </a:t>
+              <a:t>Data collected from Flickr, Google Images and 3D Warehouse</a:t>
             </a:r>
             <a:endParaRPr sz="2500">
               <a:solidFill>
@@ -14510,84 +14514,42 @@
             </a:endParaRPr>
           </a:p>
           <a:p>
-            <a:pPr indent="-387350" lvl="0" marL="457200" rtl="0" algn="l">
-              <a:spcBef>
-                <a:spcPts val="0"/>
-              </a:spcBef>
-              <a:spcAft>
-                <a:spcPts val="0"/>
-              </a:spcAft>
-              <a:buClr>
-                <a:srgbClr val="D16349"/>
-              </a:buClr>
-              <a:buSzPts val="2500"/>
-              <a:buFont typeface="Georgia"/>
-              <a:buChar char="●"/>
-            </a:pPr>
-            <a:r>
-              <a:rPr lang="en-US" sz="2500">
-                <a:solidFill>
-                  <a:schemeClr val="dk1"/>
-                </a:solidFill>
-                <a:latin typeface="Georgia"/>
-                <a:ea typeface="Georgia"/>
-                <a:cs typeface="Georgia"/>
-                <a:sym typeface="Georgia"/>
-              </a:rPr>
-              <a:t>3D Scene Model Target Dataset</a:t>
+            <a:pPr indent="0" lvl="0" marL="457200" marR="0" rtl="0" algn="l">
+              <a:lnSpc>
+                <a:spcPct val="100000"/>
+              </a:lnSpc>
+              <a:spcBef>
+                <a:spcPts val="0"/>
+              </a:spcBef>
+              <a:spcAft>
+                <a:spcPts val="0"/>
+              </a:spcAft>
+              <a:buNone/>
+            </a:pPr>
+            <a:r>
+              <a:t/>
             </a:r>
             <a:endParaRPr sz="2500">
               <a:solidFill>
                 <a:schemeClr val="dk1"/>
               </a:solidFill>
-              <a:latin typeface="Georgia"/>
-              <a:ea typeface="Georgia"/>
-              <a:cs typeface="Georgia"/>
-              <a:sym typeface="Georgia"/>
-            </a:endParaRPr>
-          </a:p>
-          <a:p>
-            <a:pPr indent="-387350" lvl="1" marL="914400" rtl="0" algn="l">
-              <a:spcBef>
-                <a:spcPts val="0"/>
-              </a:spcBef>
-              <a:spcAft>
-                <a:spcPts val="0"/>
-              </a:spcAft>
-              <a:buClr>
-                <a:srgbClr val="D16349"/>
-              </a:buClr>
-              <a:buSzPts val="2500"/>
-              <a:buFont typeface="Georgia"/>
-              <a:buChar char="○"/>
-            </a:pPr>
-            <a:r>
-              <a:rPr lang="en-US" sz="2500">
-                <a:solidFill>
-                  <a:schemeClr val="dk1"/>
-                </a:solidFill>
-              </a:rPr>
-              <a:t>3,000 3D scene models from 3D Warehouse </a:t>
-            </a:r>
-            <a:r>
-              <a:rPr lang="en-US" sz="2500">
-                <a:solidFill>
-                  <a:srgbClr val="0000FF"/>
-                </a:solidFill>
-                <a:latin typeface="Times New Roman"/>
-                <a:ea typeface="Times New Roman"/>
-                <a:cs typeface="Times New Roman"/>
-                <a:sym typeface="Times New Roman"/>
-              </a:rPr>
-              <a:t>[9] </a:t>
-            </a:r>
-            <a:r>
-              <a:rPr lang="en-US" sz="2500">
-                <a:solidFill>
-                  <a:schemeClr val="dk1"/>
-                </a:solidFill>
-              </a:rPr>
-              <a:t>(30 classes, each with 100 models)</a:t>
+            </a:endParaRPr>
+          </a:p>
+          <a:p>
+            <a:pPr indent="0" lvl="0" marL="0" marR="0" rtl="0" algn="l">
+              <a:lnSpc>
+                <a:spcPct val="100000"/>
+              </a:lnSpc>
+              <a:spcBef>
+                <a:spcPts val="0"/>
+              </a:spcBef>
+              <a:spcAft>
+                <a:spcPts val="0"/>
+              </a:spcAft>
+              <a:buNone/>
+            </a:pPr>
+            <a:r>
+              <a:t/>
             </a:r>
             <a:endParaRPr sz="2500">
               <a:latin typeface="Georgia"/>
@@ -14650,11 +14612,94 @@
                 <a:cs typeface="Georgia"/>
                 <a:sym typeface="Georgia"/>
               </a:rPr>
-              <a:t>[7]  </a:t>
+              <a:t>[7] </a:t>
             </a:r>
             <a:r>
               <a:rPr lang="en-US" sz="1000">
                 <a:solidFill>
+                  <a:srgbClr val="434343"/>
+                </a:solidFill>
+                <a:latin typeface="Georgia"/>
+                <a:ea typeface="Georgia"/>
+                <a:cs typeface="Georgia"/>
+                <a:sym typeface="Georgia"/>
+              </a:rPr>
+              <a:t> J. Yuan and et al. SHREC’18 track: 2D scene sketch-based 3D scene retrieval. In 3DOR, pages 1–8, 2018</a:t>
+            </a:r>
+            <a:endParaRPr sz="1000">
+              <a:solidFill>
+                <a:srgbClr val="434343"/>
+              </a:solidFill>
+              <a:latin typeface="Georgia"/>
+              <a:ea typeface="Georgia"/>
+              <a:cs typeface="Georgia"/>
+              <a:sym typeface="Georgia"/>
+            </a:endParaRPr>
+          </a:p>
+          <a:p>
+            <a:pPr indent="0" lvl="0" marL="0" rtl="0" algn="l">
+              <a:lnSpc>
+                <a:spcPct val="100000"/>
+              </a:lnSpc>
+              <a:spcBef>
+                <a:spcPts val="0"/>
+              </a:spcBef>
+              <a:spcAft>
+                <a:spcPts val="0"/>
+              </a:spcAft>
+              <a:buClr>
+                <a:schemeClr val="dk1"/>
+              </a:buClr>
+              <a:buSzPts val="1100"/>
+              <a:buFont typeface="Arial"/>
+              <a:buNone/>
+            </a:pPr>
+            <a:r>
+              <a:t/>
+            </a:r>
+            <a:endParaRPr sz="1000">
+              <a:solidFill>
+                <a:srgbClr val="434343"/>
+              </a:solidFill>
+              <a:latin typeface="Georgia"/>
+              <a:ea typeface="Georgia"/>
+              <a:cs typeface="Georgia"/>
+              <a:sym typeface="Georgia"/>
+            </a:endParaRPr>
+          </a:p>
+          <a:p>
+            <a:pPr indent="0" lvl="0" marL="0" rtl="0" algn="l">
+              <a:lnSpc>
+                <a:spcPct val="100000"/>
+              </a:lnSpc>
+              <a:spcBef>
+                <a:spcPts val="0"/>
+              </a:spcBef>
+              <a:spcAft>
+                <a:spcPts val="0"/>
+              </a:spcAft>
+              <a:buClr>
+                <a:schemeClr val="dk1"/>
+              </a:buClr>
+              <a:buSzPts val="1100"/>
+              <a:buFont typeface="Arial"/>
+              <a:buNone/>
+            </a:pPr>
+            <a:r>
+              <a:rPr lang="en-US" sz="1000">
+                <a:solidFill>
+                  <a:srgbClr val="0000FF"/>
+                </a:solidFill>
+                <a:latin typeface="Georgia"/>
+                <a:ea typeface="Georgia"/>
+                <a:cs typeface="Georgia"/>
+                <a:sym typeface="Georgia"/>
+              </a:rPr>
+              <a:t>[8] </a:t>
+            </a:r>
+            <a:r>
+              <a:rPr lang="en-US" sz="1000">
+                <a:solidFill>
                   <a:schemeClr val="dk1"/>
                 </a:solidFill>
                 <a:latin typeface="Georgia"/>
@@ -14662,7 +14707,7 @@
                 <a:cs typeface="Georgia"/>
                 <a:sym typeface="Georgia"/>
               </a:rPr>
-              <a:t>B. Zhou and et al. Places: A 10 million image database for scene recognition. IEEE Trans. Pattern Anal. Mach. Intell., 40(6):1452–1464, 2018</a:t>
+              <a:t> H. Abdul-Rashid and et al. SHREC’18 track: 2D scene image-based 3D scene retrieval. In 3DOR, pages 1–8, 2018.</a:t>
             </a:r>
             <a:endParaRPr sz="1000">
               <a:solidFill>
@@ -14707,9 +14752,6 @@
           </a:p>
           <a:p>
             <a:pPr indent="0" lvl="0" marL="0" rtl="0" algn="l">
-              <a:lnSpc>
-                <a:spcPct val="100000"/>
-              </a:lnSpc>
               <a:spcBef>
                 <a:spcPts val="0"/>
               </a:spcBef>
@@ -14733,23 +14775,23 @@
                 <a:cs typeface="Georgia"/>
                 <a:sym typeface="Georgia"/>
               </a:rPr>
-              <a:t>[8] </a:t>
+              <a:t>[9]  </a:t>
             </a:r>
             <a:r>
               <a:rPr lang="en-US" sz="1000">
                 <a:solidFill>
-                  <a:srgbClr val="434343"/>
-                </a:solidFill>
-                <a:latin typeface="Georgia"/>
-                <a:ea typeface="Georgia"/>
-                <a:cs typeface="Georgia"/>
-                <a:sym typeface="Georgia"/>
-              </a:rPr>
-              <a:t> J. Yuan and et al. SHREC’18 track: 2D scene sketch-based 3D scene retrieval. In 3DOR, pages 1–8, 2018</a:t>
+                  <a:schemeClr val="dk1"/>
+                </a:solidFill>
+                <a:latin typeface="Georgia"/>
+                <a:ea typeface="Georgia"/>
+                <a:cs typeface="Georgia"/>
+                <a:sym typeface="Georgia"/>
+              </a:rPr>
+              <a:t>B. Zhou and et al. Places: A 10 million image database for scene recognition. IEEE Trans. Pattern Anal. Mach. Intell., 40(6):1452–1464, 2018</a:t>
             </a:r>
             <a:endParaRPr sz="1000">
               <a:solidFill>
-                <a:srgbClr val="434343"/>
+                <a:schemeClr val="dk1"/>
               </a:solidFill>
               <a:latin typeface="Georgia"/>
               <a:ea typeface="Georgia"/>
@@ -14780,60 +14822,12 @@
             </a:r>
             <a:endParaRPr sz="1000">
               <a:solidFill>
-                <a:srgbClr val="434343"/>
+                <a:schemeClr val="dk1"/>
               </a:solidFill>
               <a:latin typeface="Georgia"/>
               <a:ea typeface="Georgia"/>
               <a:cs typeface="Georgia"/>
               <a:sym typeface="Georgia"/>
-            </a:endParaRPr>
-          </a:p>
-          <a:p>
-            <a:pPr indent="0" lvl="0" marL="0" rtl="0" algn="l">
-              <a:lnSpc>
-                <a:spcPct val="100000"/>
-              </a:lnSpc>
-              <a:spcBef>
-                <a:spcPts val="0"/>
-              </a:spcBef>
-              <a:spcAft>
-                <a:spcPts val="0"/>
-              </a:spcAft>
-              <a:buClr>
-                <a:schemeClr val="dk1"/>
-              </a:buClr>
-              <a:buSzPts val="1100"/>
-              <a:buFont typeface="Arial"/>
-              <a:buNone/>
-            </a:pPr>
-            <a:r>
-              <a:rPr lang="en-US" sz="1000">
-                <a:solidFill>
-                  <a:srgbClr val="0000FF"/>
-                </a:solidFill>
-                <a:latin typeface="Georgia"/>
-                <a:ea typeface="Georgia"/>
-                <a:cs typeface="Georgia"/>
-                <a:sym typeface="Georgia"/>
-              </a:rPr>
-              <a:t>[9] </a:t>
-            </a:r>
-            <a:r>
-              <a:rPr lang="en-US" sz="1000">
-                <a:solidFill>
-                  <a:schemeClr val="dk1"/>
-                </a:solidFill>
-                <a:latin typeface="Georgia"/>
-                <a:ea typeface="Georgia"/>
-                <a:cs typeface="Georgia"/>
-                <a:sym typeface="Georgia"/>
-              </a:rPr>
-              <a:t> 3D Warehouse. http://3dwarehouse.sketchup. com/?hl=en, 2018.</a:t>
-            </a:r>
-            <a:endParaRPr sz="1000">
-              <a:solidFill>
-                <a:schemeClr val="dk1"/>
-              </a:solidFill>
             </a:endParaRPr>
           </a:p>
           <a:p>
@@ -17324,7 +17318,7 @@
                 <a:cs typeface="Georgia"/>
                 <a:sym typeface="Georgia"/>
               </a:rPr>
-              <a:t>10, 11</a:t>
+              <a:t>7, 8</a:t>
             </a:r>
             <a:r>
               <a:rPr b="0" lang="en-US" sz="2400" strike="noStrike">
@@ -17745,159 +17739,6 @@
       <p:sp>
         <p:nvSpPr>
           <p:cNvPr id="201" name="Google Shape;201;p31"/>
-          <p:cNvSpPr txBox="1"/>
-          <p:nvPr/>
-        </p:nvSpPr>
-        <p:spPr>
-          <a:xfrm>
-            <a:off x="457200" y="5760720"/>
-            <a:ext cx="8429400" cy="576300"/>
-          </a:xfrm>
-          <a:prstGeom prst="rect">
-            <a:avLst/>
-          </a:prstGeom>
-          <a:noFill/>
-          <a:ln>
-            <a:noFill/>
-          </a:ln>
-        </p:spPr>
-        <p:txBody>
-          <a:bodyPr anchorCtr="0" anchor="t" bIns="91425" lIns="91425" spcFirstLastPara="1" rIns="91425" wrap="square" tIns="91425">
-            <a:noAutofit/>
-          </a:bodyPr>
-          <a:lstStyle/>
-          <a:p>
-            <a:pPr indent="0" lvl="0" marL="0" rtl="0" algn="l">
-              <a:spcBef>
-                <a:spcPts val="0"/>
-              </a:spcBef>
-              <a:spcAft>
-                <a:spcPts val="0"/>
-              </a:spcAft>
-              <a:buNone/>
-            </a:pPr>
-            <a:r>
-              <a:rPr lang="en-US" sz="1000">
-                <a:solidFill>
-                  <a:srgbClr val="0000FF"/>
-                </a:solidFill>
-                <a:latin typeface="Georgia"/>
-                <a:ea typeface="Georgia"/>
-                <a:cs typeface="Georgia"/>
-                <a:sym typeface="Georgia"/>
-              </a:rPr>
-              <a:t>[10</a:t>
-            </a:r>
-            <a:r>
-              <a:rPr lang="en-US" sz="1000">
-                <a:solidFill>
-                  <a:srgbClr val="0000FF"/>
-                </a:solidFill>
-                <a:latin typeface="Georgia"/>
-                <a:ea typeface="Georgia"/>
-                <a:cs typeface="Georgia"/>
-                <a:sym typeface="Georgia"/>
-              </a:rPr>
-              <a:t>]  </a:t>
-            </a:r>
-            <a:r>
-              <a:rPr lang="en-US" sz="1000">
-                <a:solidFill>
-                  <a:schemeClr val="dk1"/>
-                </a:solidFill>
-                <a:latin typeface="Georgia"/>
-                <a:ea typeface="Georgia"/>
-                <a:cs typeface="Georgia"/>
-                <a:sym typeface="Georgia"/>
-              </a:rPr>
-              <a:t>H. Abdul-Rashid and et al. SHREC’18 track: 2D scene image-based 3D scene retrieval. In 3DOR, pages 1–8, 2018.</a:t>
-            </a:r>
-            <a:endParaRPr sz="1000">
-              <a:solidFill>
-                <a:schemeClr val="dk1"/>
-              </a:solidFill>
-              <a:latin typeface="Georgia"/>
-              <a:ea typeface="Georgia"/>
-              <a:cs typeface="Georgia"/>
-              <a:sym typeface="Georgia"/>
-            </a:endParaRPr>
-          </a:p>
-          <a:p>
-            <a:pPr indent="0" lvl="0" marL="0" rtl="0" algn="l">
-              <a:spcBef>
-                <a:spcPts val="0"/>
-              </a:spcBef>
-              <a:spcAft>
-                <a:spcPts val="0"/>
-              </a:spcAft>
-              <a:buNone/>
-            </a:pPr>
-            <a:r>
-              <a:t/>
-            </a:r>
-            <a:endParaRPr sz="1000">
-              <a:solidFill>
-                <a:schemeClr val="dk1"/>
-              </a:solidFill>
-              <a:latin typeface="Georgia"/>
-              <a:ea typeface="Georgia"/>
-              <a:cs typeface="Georgia"/>
-              <a:sym typeface="Georgia"/>
-            </a:endParaRPr>
-          </a:p>
-          <a:p>
-            <a:pPr indent="0" lvl="0" marL="0" rtl="0" algn="l">
-              <a:spcBef>
-                <a:spcPts val="0"/>
-              </a:spcBef>
-              <a:spcAft>
-                <a:spcPts val="0"/>
-              </a:spcAft>
-              <a:buNone/>
-            </a:pPr>
-            <a:r>
-              <a:rPr lang="en-US" sz="1000">
-                <a:solidFill>
-                  <a:srgbClr val="0000FF"/>
-                </a:solidFill>
-                <a:latin typeface="Georgia"/>
-                <a:ea typeface="Georgia"/>
-                <a:cs typeface="Georgia"/>
-                <a:sym typeface="Georgia"/>
-              </a:rPr>
-              <a:t>[11] </a:t>
-            </a:r>
-            <a:r>
-              <a:rPr lang="en-US" sz="1000">
-                <a:solidFill>
-                  <a:schemeClr val="dk1"/>
-                </a:solidFill>
-                <a:latin typeface="Georgia"/>
-                <a:ea typeface="Georgia"/>
-                <a:cs typeface="Georgia"/>
-                <a:sym typeface="Georgia"/>
-              </a:rPr>
-              <a:t> J. Yuan and et al. SHREC’18 track: 2D scene sketch-based 3D scene retrieval. In 3DOR, pages 1–8, 2018</a:t>
-            </a:r>
-            <a:r>
-              <a:rPr lang="en-US" sz="1000">
-                <a:solidFill>
-                  <a:schemeClr val="dk1"/>
-                </a:solidFill>
-                <a:latin typeface="Georgia"/>
-                <a:ea typeface="Georgia"/>
-                <a:cs typeface="Georgia"/>
-                <a:sym typeface="Georgia"/>
-              </a:rPr>
-              <a:t>.</a:t>
-            </a:r>
-            <a:endParaRPr sz="1000"/>
-          </a:p>
-        </p:txBody>
-      </p:sp>
-      <p:sp>
-        <p:nvSpPr>
-          <p:cNvPr id="202" name="Google Shape;202;p31"/>
           <p:cNvSpPr txBox="1"/>
           <p:nvPr>
             <p:ph idx="12" type="sldNum"/>
@@ -17953,7 +17794,7 @@
   <p:cSld>
     <p:spTree>
       <p:nvGrpSpPr>
-        <p:cNvPr id="207" name="Shape 207"/>
+        <p:cNvPr id="206" name="Shape 206"/>
         <p:cNvGrpSpPr/>
         <p:nvPr/>
       </p:nvGrpSpPr>
@@ -17967,7 +17808,7 @@
       </p:grpSpPr>
       <p:sp>
         <p:nvSpPr>
-          <p:cNvPr id="208" name="Google Shape;208;p32"/>
+          <p:cNvPr id="207" name="Google Shape;207;p32"/>
           <p:cNvSpPr txBox="1"/>
           <p:nvPr/>
         </p:nvSpPr>
@@ -18028,7 +17869,7 @@
       </p:sp>
       <p:sp>
         <p:nvSpPr>
-          <p:cNvPr id="209" name="Google Shape;209;p32"/>
+          <p:cNvPr id="208" name="Google Shape;208;p32"/>
           <p:cNvSpPr txBox="1"/>
           <p:nvPr/>
         </p:nvSpPr>
@@ -18311,7 +18152,7 @@
       </p:sp>
       <p:sp>
         <p:nvSpPr>
-          <p:cNvPr id="210" name="Google Shape;210;p32"/>
+          <p:cNvPr id="209" name="Google Shape;209;p32"/>
           <p:cNvSpPr txBox="1"/>
           <p:nvPr>
             <p:ph idx="12" type="sldNum"/>
@@ -18784,7 +18625,7 @@
   <p:cSld>
     <p:spTree>
       <p:nvGrpSpPr>
-        <p:cNvPr id="214" name="Shape 214"/>
+        <p:cNvPr id="213" name="Shape 213"/>
         <p:cNvGrpSpPr/>
         <p:nvPr/>
       </p:nvGrpSpPr>
@@ -18798,7 +18639,7 @@
       </p:grpSpPr>
       <p:sp>
         <p:nvSpPr>
-          <p:cNvPr id="215" name="Google Shape;215;p33"/>
+          <p:cNvPr id="214" name="Google Shape;214;p33"/>
           <p:cNvSpPr txBox="1"/>
           <p:nvPr>
             <p:ph type="title"/>
@@ -18861,7 +18702,7 @@
       </p:sp>
       <p:sp>
         <p:nvSpPr>
-          <p:cNvPr id="216" name="Google Shape;216;p33"/>
+          <p:cNvPr id="215" name="Google Shape;215;p33"/>
           <p:cNvSpPr txBox="1"/>
           <p:nvPr>
             <p:ph idx="12" type="sldNum"/>
@@ -18917,7 +18758,7 @@
   <p:cSld>
     <p:spTree>
       <p:nvGrpSpPr>
-        <p:cNvPr id="220" name="Shape 220"/>
+        <p:cNvPr id="219" name="Shape 219"/>
         <p:cNvGrpSpPr/>
         <p:nvPr/>
       </p:nvGrpSpPr>
@@ -18931,7 +18772,7 @@
       </p:grpSpPr>
       <p:sp>
         <p:nvSpPr>
-          <p:cNvPr id="221" name="Google Shape;221;p34"/>
+          <p:cNvPr id="220" name="Google Shape;220;p34"/>
           <p:cNvSpPr txBox="1"/>
           <p:nvPr>
             <p:ph type="title"/>
@@ -18995,7 +18836,7 @@
       </p:sp>
       <p:pic>
         <p:nvPicPr>
-          <p:cNvPr id="222" name="Google Shape;222;p34"/>
+          <p:cNvPr id="221" name="Google Shape;221;p34"/>
           <p:cNvPicPr preferRelativeResize="0"/>
           <p:nvPr/>
         </p:nvPicPr>
@@ -19023,7 +18864,7 @@
       </p:pic>
       <p:sp>
         <p:nvSpPr>
-          <p:cNvPr id="223" name="Google Shape;223;p34"/>
+          <p:cNvPr id="222" name="Google Shape;222;p34"/>
           <p:cNvSpPr txBox="1"/>
           <p:nvPr>
             <p:ph idx="12" type="sldNum"/>
@@ -19079,7 +18920,7 @@
   <p:cSld>
     <p:spTree>
       <p:nvGrpSpPr>
-        <p:cNvPr id="227" name="Shape 227"/>
+        <p:cNvPr id="226" name="Shape 226"/>
         <p:cNvGrpSpPr/>
         <p:nvPr/>
       </p:nvGrpSpPr>
@@ -19093,7 +18934,7 @@
       </p:grpSpPr>
       <p:sp>
         <p:nvSpPr>
-          <p:cNvPr id="228" name="Google Shape;228;p35"/>
+          <p:cNvPr id="227" name="Google Shape;227;p35"/>
           <p:cNvSpPr txBox="1"/>
           <p:nvPr>
             <p:ph type="title"/>
@@ -19157,7 +18998,7 @@
       </p:sp>
       <p:sp>
         <p:nvSpPr>
-          <p:cNvPr id="229" name="Google Shape;229;p35"/>
+          <p:cNvPr id="228" name="Google Shape;228;p35"/>
           <p:cNvSpPr txBox="1"/>
           <p:nvPr>
             <p:ph idx="1" type="body"/>
@@ -19217,7 +19058,7 @@
                 <a:cs typeface="Times New Roman"/>
                 <a:sym typeface="Times New Roman"/>
               </a:rPr>
-              <a:t>[12]</a:t>
+              <a:t>[10]</a:t>
             </a:r>
             <a:r>
               <a:rPr lang="en-US">
@@ -19501,7 +19342,7 @@
       </p:sp>
       <p:sp>
         <p:nvSpPr>
-          <p:cNvPr id="230" name="Google Shape;230;p35"/>
+          <p:cNvPr id="229" name="Google Shape;229;p35"/>
           <p:cNvSpPr txBox="1"/>
           <p:nvPr/>
         </p:nvSpPr>
@@ -19587,7 +19428,7 @@
       </p:sp>
       <p:sp>
         <p:nvSpPr>
-          <p:cNvPr id="231" name="Google Shape;231;p35"/>
+          <p:cNvPr id="230" name="Google Shape;230;p35"/>
           <p:cNvSpPr txBox="1"/>
           <p:nvPr>
             <p:ph idx="12" type="sldNum"/>
@@ -19643,7 +19484,7 @@
   <p:cSld>
     <p:spTree>
       <p:nvGrpSpPr>
-        <p:cNvPr id="236" name="Shape 236"/>
+        <p:cNvPr id="235" name="Shape 235"/>
         <p:cNvGrpSpPr/>
         <p:nvPr/>
       </p:nvGrpSpPr>
@@ -19657,7 +19498,7 @@
       </p:grpSpPr>
       <p:sp>
         <p:nvSpPr>
-          <p:cNvPr id="237" name="Google Shape;237;p36"/>
+          <p:cNvPr id="236" name="Google Shape;236;p36"/>
           <p:cNvSpPr txBox="1"/>
           <p:nvPr/>
         </p:nvSpPr>
@@ -19718,7 +19559,7 @@
       </p:sp>
       <p:sp>
         <p:nvSpPr>
-          <p:cNvPr id="238" name="Google Shape;238;p36"/>
+          <p:cNvPr id="237" name="Google Shape;237;p36"/>
           <p:cNvSpPr txBox="1"/>
           <p:nvPr/>
         </p:nvSpPr>
@@ -20004,7 +19845,7 @@
       </p:sp>
       <p:sp>
         <p:nvSpPr>
-          <p:cNvPr id="239" name="Google Shape;239;p36"/>
+          <p:cNvPr id="238" name="Google Shape;238;p36"/>
           <p:cNvSpPr txBox="1"/>
           <p:nvPr>
             <p:ph idx="12" type="sldNum"/>
@@ -20060,7 +19901,7 @@
   <p:cSld>
     <p:spTree>
       <p:nvGrpSpPr>
-        <p:cNvPr id="244" name="Shape 244"/>
+        <p:cNvPr id="243" name="Shape 243"/>
         <p:cNvGrpSpPr/>
         <p:nvPr/>
       </p:nvGrpSpPr>
@@ -20074,7 +19915,7 @@
       </p:grpSpPr>
       <p:pic>
         <p:nvPicPr>
-          <p:cNvPr id="245" name="Google Shape;245;p37"/>
+          <p:cNvPr id="244" name="Google Shape;244;p37"/>
           <p:cNvPicPr preferRelativeResize="0"/>
           <p:nvPr/>
         </p:nvPicPr>
@@ -20102,7 +19943,7 @@
       </p:pic>
       <p:sp>
         <p:nvSpPr>
-          <p:cNvPr id="246" name="Google Shape;246;p37"/>
+          <p:cNvPr id="245" name="Google Shape;245;p37"/>
           <p:cNvSpPr txBox="1"/>
           <p:nvPr/>
         </p:nvSpPr>
@@ -20170,7 +20011,7 @@
       </p:sp>
       <p:sp>
         <p:nvSpPr>
-          <p:cNvPr id="247" name="Google Shape;247;p37"/>
+          <p:cNvPr id="246" name="Google Shape;246;p37"/>
           <p:cNvSpPr txBox="1"/>
           <p:nvPr>
             <p:ph idx="12" type="sldNum"/>
@@ -20226,7 +20067,7 @@
   <p:cSld>
     <p:spTree>
       <p:nvGrpSpPr>
-        <p:cNvPr id="252" name="Shape 252"/>
+        <p:cNvPr id="251" name="Shape 251"/>
         <p:cNvGrpSpPr/>
         <p:nvPr/>
       </p:nvGrpSpPr>
@@ -20240,7 +20081,7 @@
       </p:grpSpPr>
       <p:sp>
         <p:nvSpPr>
-          <p:cNvPr id="253" name="Google Shape;253;p38"/>
+          <p:cNvPr id="252" name="Google Shape;252;p38"/>
           <p:cNvSpPr/>
           <p:nvPr/>
         </p:nvSpPr>
@@ -20301,7 +20142,7 @@
       </p:sp>
       <p:pic>
         <p:nvPicPr>
-          <p:cNvPr id="254" name="Google Shape;254;p38"/>
+          <p:cNvPr id="253" name="Google Shape;253;p38"/>
           <p:cNvPicPr preferRelativeResize="0"/>
           <p:nvPr/>
         </p:nvPicPr>
@@ -20329,7 +20170,7 @@
       </p:pic>
       <p:sp>
         <p:nvSpPr>
-          <p:cNvPr id="255" name="Google Shape;255;p38"/>
+          <p:cNvPr id="254" name="Google Shape;254;p38"/>
           <p:cNvSpPr txBox="1"/>
           <p:nvPr/>
         </p:nvSpPr>
@@ -20371,7 +20212,7 @@
       </p:sp>
       <p:sp>
         <p:nvSpPr>
-          <p:cNvPr id="256" name="Google Shape;256;p38"/>
+          <p:cNvPr id="255" name="Google Shape;255;p38"/>
           <p:cNvSpPr txBox="1"/>
           <p:nvPr>
             <p:ph idx="12" type="sldNum"/>
@@ -20427,7 +20268,7 @@
   <p:cSld>
     <p:spTree>
       <p:nvGrpSpPr>
-        <p:cNvPr id="261" name="Shape 261"/>
+        <p:cNvPr id="260" name="Shape 260"/>
         <p:cNvGrpSpPr/>
         <p:nvPr/>
       </p:nvGrpSpPr>
@@ -20441,7 +20282,7 @@
       </p:grpSpPr>
       <p:sp>
         <p:nvSpPr>
-          <p:cNvPr id="262" name="Google Shape;262;p39"/>
+          <p:cNvPr id="261" name="Google Shape;261;p39"/>
           <p:cNvSpPr txBox="1"/>
           <p:nvPr/>
         </p:nvSpPr>
@@ -20502,7 +20343,7 @@
       </p:sp>
       <p:sp>
         <p:nvSpPr>
-          <p:cNvPr id="263" name="Google Shape;263;p39"/>
+          <p:cNvPr id="262" name="Google Shape;262;p39"/>
           <p:cNvSpPr txBox="1"/>
           <p:nvPr/>
         </p:nvSpPr>
@@ -20785,7 +20626,7 @@
       </p:sp>
       <p:sp>
         <p:nvSpPr>
-          <p:cNvPr id="264" name="Google Shape;264;p39"/>
+          <p:cNvPr id="263" name="Google Shape;263;p39"/>
           <p:cNvSpPr txBox="1"/>
           <p:nvPr>
             <p:ph idx="12" type="sldNum"/>
@@ -20841,7 +20682,7 @@
   <p:cSld>
     <p:spTree>
       <p:nvGrpSpPr>
-        <p:cNvPr id="269" name="Shape 269"/>
+        <p:cNvPr id="268" name="Shape 268"/>
         <p:cNvGrpSpPr/>
         <p:nvPr/>
       </p:nvGrpSpPr>
@@ -20855,7 +20696,7 @@
       </p:grpSpPr>
       <p:sp>
         <p:nvSpPr>
-          <p:cNvPr id="270" name="Google Shape;270;p40"/>
+          <p:cNvPr id="269" name="Google Shape;269;p40"/>
           <p:cNvSpPr txBox="1"/>
           <p:nvPr/>
         </p:nvSpPr>
@@ -20916,7 +20757,7 @@
       </p:sp>
       <p:sp>
         <p:nvSpPr>
-          <p:cNvPr id="271" name="Google Shape;271;p40"/>
+          <p:cNvPr id="270" name="Google Shape;270;p40"/>
           <p:cNvSpPr txBox="1"/>
           <p:nvPr/>
         </p:nvSpPr>
@@ -21341,7 +21182,7 @@
       </p:sp>
       <p:sp>
         <p:nvSpPr>
-          <p:cNvPr id="272" name="Google Shape;272;p40"/>
+          <p:cNvPr id="271" name="Google Shape;271;p40"/>
           <p:cNvSpPr txBox="1"/>
           <p:nvPr>
             <p:ph idx="12" type="sldNum"/>
@@ -21397,7 +21238,7 @@
   <p:cSld>
     <p:spTree>
       <p:nvGrpSpPr>
-        <p:cNvPr id="277" name="Shape 277"/>
+        <p:cNvPr id="276" name="Shape 276"/>
         <p:cNvGrpSpPr/>
         <p:nvPr/>
       </p:nvGrpSpPr>
@@ -21411,7 +21252,7 @@
       </p:grpSpPr>
       <p:sp>
         <p:nvSpPr>
-          <p:cNvPr id="278" name="Google Shape;278;p41"/>
+          <p:cNvPr id="277" name="Google Shape;277;p41"/>
           <p:cNvSpPr txBox="1"/>
           <p:nvPr/>
         </p:nvSpPr>
@@ -21472,7 +21313,7 @@
       </p:sp>
       <p:sp>
         <p:nvSpPr>
-          <p:cNvPr id="279" name="Google Shape;279;p41"/>
+          <p:cNvPr id="278" name="Google Shape;278;p41"/>
           <p:cNvSpPr txBox="1"/>
           <p:nvPr/>
         </p:nvSpPr>
@@ -21881,7 +21722,7 @@
       </p:sp>
       <p:sp>
         <p:nvSpPr>
-          <p:cNvPr id="280" name="Google Shape;280;p41"/>
+          <p:cNvPr id="279" name="Google Shape;279;p41"/>
           <p:cNvSpPr txBox="1"/>
           <p:nvPr>
             <p:ph idx="12" type="sldNum"/>
@@ -21937,7 +21778,7 @@
   <p:cSld>
     <p:spTree>
       <p:nvGrpSpPr>
-        <p:cNvPr id="285" name="Shape 285"/>
+        <p:cNvPr id="284" name="Shape 284"/>
         <p:cNvGrpSpPr/>
         <p:nvPr/>
       </p:nvGrpSpPr>
@@ -21951,7 +21792,7 @@
       </p:grpSpPr>
       <p:sp>
         <p:nvSpPr>
-          <p:cNvPr id="286" name="Google Shape;286;p42"/>
+          <p:cNvPr id="285" name="Google Shape;285;p42"/>
           <p:cNvSpPr txBox="1"/>
           <p:nvPr/>
         </p:nvSpPr>
@@ -22413,15 +22254,12 @@
             </a:r>
             <a:r>
               <a:rPr lang="en-US" sz="1000">
-                <a:solidFill>
-                  <a:schemeClr val="dk1"/>
-                </a:solidFill>
-                <a:latin typeface="Georgia"/>
-                <a:ea typeface="Georgia"/>
-                <a:cs typeface="Georgia"/>
-                <a:sym typeface="Georgia"/>
-              </a:rPr>
-              <a:t>B. Zhou and et al. Places: A 10 million image database for scene recognition. IEEE Trans. Pattern Anal. Mach. Intell., 40(6):1452–1464, 2018</a:t>
+                <a:latin typeface="Georgia"/>
+                <a:ea typeface="Georgia"/>
+                <a:cs typeface="Georgia"/>
+                <a:sym typeface="Georgia"/>
+              </a:rPr>
+              <a:t>J. Yuan and et al. SHREC’18 track: 2D scene sketch-based 3D scene retrieval. In 3DOR, pages 1–8, 2018</a:t>
             </a:r>
             <a:endParaRPr sz="1000">
               <a:latin typeface="Georgia"/>
@@ -22458,16 +22296,19 @@
                 <a:cs typeface="Georgia"/>
                 <a:sym typeface="Georgia"/>
               </a:rPr>
-              <a:t>[8]  </a:t>
+              <a:t>[8] </a:t>
             </a:r>
             <a:r>
               <a:rPr lang="en-US" sz="1000">
-                <a:latin typeface="Georgia"/>
-                <a:ea typeface="Georgia"/>
-                <a:cs typeface="Georgia"/>
-                <a:sym typeface="Georgia"/>
-              </a:rPr>
-              <a:t>J. Yuan and et al. SHREC’18 track: 2D scene sketch-based 3D scene retrieval. In 3DOR, pages 1–8, 2018</a:t>
+                <a:solidFill>
+                  <a:schemeClr val="dk1"/>
+                </a:solidFill>
+                <a:latin typeface="Georgia"/>
+                <a:ea typeface="Georgia"/>
+                <a:cs typeface="Georgia"/>
+                <a:sym typeface="Georgia"/>
+              </a:rPr>
+              <a:t> H. Abdul-Rashid and et al. SHREC’18 track: 2D scene image-based 3D scene retrieval. In 3DOR, pages 1–8, 2018.</a:t>
             </a:r>
             <a:endParaRPr sz="1000">
               <a:latin typeface="Georgia"/>
@@ -22504,40 +22345,19 @@
                 <a:cs typeface="Georgia"/>
                 <a:sym typeface="Georgia"/>
               </a:rPr>
-              <a:t>[9</a:t>
+              <a:t>[9]  </a:t>
             </a:r>
             <a:r>
               <a:rPr lang="en-US" sz="1000">
                 <a:solidFill>
-                  <a:srgbClr val="0000FF"/>
-                </a:solidFill>
-                <a:latin typeface="Georgia"/>
-                <a:ea typeface="Georgia"/>
-                <a:cs typeface="Georgia"/>
-                <a:sym typeface="Georgia"/>
-              </a:rPr>
-              <a:t>] </a:t>
-            </a:r>
-            <a:r>
-              <a:rPr lang="en-US" sz="1000">
-                <a:solidFill>
-                  <a:srgbClr val="0000FF"/>
-                </a:solidFill>
-                <a:latin typeface="Georgia"/>
-                <a:ea typeface="Georgia"/>
-                <a:cs typeface="Georgia"/>
-                <a:sym typeface="Georgia"/>
-              </a:rPr>
-              <a:t> </a:t>
-            </a:r>
-            <a:r>
-              <a:rPr lang="en-US" sz="1000">
-                <a:latin typeface="Georgia"/>
-                <a:ea typeface="Georgia"/>
-                <a:cs typeface="Georgia"/>
-                <a:sym typeface="Georgia"/>
-              </a:rPr>
-              <a:t>3D Warehouse. http://3dwarehouse.sketchup. com/?hl=en, 2018.</a:t>
+                  <a:schemeClr val="dk1"/>
+                </a:solidFill>
+                <a:latin typeface="Georgia"/>
+                <a:ea typeface="Georgia"/>
+                <a:cs typeface="Georgia"/>
+                <a:sym typeface="Georgia"/>
+              </a:rPr>
+              <a:t>B. Zhou and et al. Places: A 10 million image database for scene recognition. IEEE Trans. Pattern Anal. Mach. Intell., 40(6):1452–1464, 2018</a:t>
             </a:r>
             <a:endParaRPr sz="1000">
               <a:latin typeface="Georgia"/>
@@ -22575,110 +22395,6 @@
                 <a:sym typeface="Georgia"/>
               </a:rPr>
               <a:t>[10</a:t>
-            </a:r>
-            <a:r>
-              <a:rPr lang="en-US" sz="1000">
-                <a:solidFill>
-                  <a:srgbClr val="0000FF"/>
-                </a:solidFill>
-                <a:latin typeface="Georgia"/>
-                <a:ea typeface="Georgia"/>
-                <a:cs typeface="Georgia"/>
-                <a:sym typeface="Georgia"/>
-              </a:rPr>
-              <a:t>] </a:t>
-            </a:r>
-            <a:r>
-              <a:rPr lang="en-US" sz="1000">
-                <a:latin typeface="Georgia"/>
-                <a:ea typeface="Georgia"/>
-                <a:cs typeface="Georgia"/>
-                <a:sym typeface="Georgia"/>
-              </a:rPr>
-              <a:t> H. Abdul-Rashid and et al. SHREC’18 track: 2D scene image-based 3D scene retrieval. In 3DOR, pages 1–8, 2018.</a:t>
-            </a:r>
-            <a:endParaRPr sz="1000">
-              <a:latin typeface="Georgia"/>
-              <a:ea typeface="Georgia"/>
-              <a:cs typeface="Georgia"/>
-              <a:sym typeface="Georgia"/>
-            </a:endParaRPr>
-          </a:p>
-          <a:p>
-            <a:pPr indent="-292100" lvl="0" marL="457200" rtl="0" algn="l">
-              <a:lnSpc>
-                <a:spcPct val="150000"/>
-              </a:lnSpc>
-              <a:spcBef>
-                <a:spcPts val="0"/>
-              </a:spcBef>
-              <a:spcAft>
-                <a:spcPts val="0"/>
-              </a:spcAft>
-              <a:buClr>
-                <a:srgbClr val="D16349"/>
-              </a:buClr>
-              <a:buSzPts val="1000"/>
-              <a:buFont typeface="Georgia"/>
-              <a:buChar char="●"/>
-            </a:pPr>
-            <a:r>
-              <a:rPr lang="en-US" sz="1000">
-                <a:solidFill>
-                  <a:srgbClr val="0000FF"/>
-                </a:solidFill>
-                <a:latin typeface="Georgia"/>
-                <a:ea typeface="Georgia"/>
-                <a:cs typeface="Georgia"/>
-                <a:sym typeface="Georgia"/>
-              </a:rPr>
-              <a:t>[11]  </a:t>
-            </a:r>
-            <a:r>
-              <a:rPr lang="en-US" sz="1000">
-                <a:latin typeface="Georgia"/>
-                <a:ea typeface="Georgia"/>
-                <a:cs typeface="Georgia"/>
-                <a:sym typeface="Georgia"/>
-              </a:rPr>
-              <a:t> J. Yuan and et al. SHREC’18 track: 2D scene sketch-based 3D scene retrieval. In 3DOR, pages 1–8, 2018.</a:t>
-            </a:r>
-            <a:endParaRPr sz="1000">
-              <a:latin typeface="Georgia"/>
-              <a:ea typeface="Georgia"/>
-              <a:cs typeface="Georgia"/>
-              <a:sym typeface="Georgia"/>
-            </a:endParaRPr>
-          </a:p>
-          <a:p>
-            <a:pPr indent="-292100" lvl="0" marL="457200" rtl="0" algn="l">
-              <a:lnSpc>
-                <a:spcPct val="150000"/>
-              </a:lnSpc>
-              <a:spcBef>
-                <a:spcPts val="0"/>
-              </a:spcBef>
-              <a:spcAft>
-                <a:spcPts val="0"/>
-              </a:spcAft>
-              <a:buClr>
-                <a:srgbClr val="D16349"/>
-              </a:buClr>
-              <a:buSzPts val="1000"/>
-              <a:buFont typeface="Georgia"/>
-              <a:buChar char="●"/>
-            </a:pPr>
-            <a:r>
-              <a:rPr lang="en-US" sz="1000">
-                <a:solidFill>
-                  <a:srgbClr val="0000FF"/>
-                </a:solidFill>
-                <a:latin typeface="Georgia"/>
-                <a:ea typeface="Georgia"/>
-                <a:cs typeface="Georgia"/>
-                <a:sym typeface="Georgia"/>
-              </a:rPr>
-              <a:t>[12</a:t>
             </a:r>
             <a:r>
               <a:rPr lang="en-US" sz="1000">
@@ -22738,7 +22454,7 @@
       </p:sp>
       <p:sp>
         <p:nvSpPr>
-          <p:cNvPr id="287" name="Google Shape;287;p42"/>
+          <p:cNvPr id="286" name="Google Shape;286;p42"/>
           <p:cNvSpPr txBox="1"/>
           <p:nvPr/>
         </p:nvSpPr>
@@ -22811,7 +22527,7 @@
       </p:sp>
       <p:sp>
         <p:nvSpPr>
-          <p:cNvPr id="288" name="Google Shape;288;p42"/>
+          <p:cNvPr id="287" name="Google Shape;287;p42"/>
           <p:cNvSpPr txBox="1"/>
           <p:nvPr>
             <p:ph idx="12" type="sldNum"/>
@@ -23345,7 +23061,7 @@
   <p:cSld>
     <p:spTree>
       <p:nvGrpSpPr>
-        <p:cNvPr id="292" name="Shape 292"/>
+        <p:cNvPr id="291" name="Shape 291"/>
         <p:cNvGrpSpPr/>
         <p:nvPr/>
       </p:nvGrpSpPr>
@@ -23359,7 +23075,7 @@
       </p:grpSpPr>
       <p:sp>
         <p:nvSpPr>
-          <p:cNvPr id="293" name="Google Shape;293;p43"/>
+          <p:cNvPr id="292" name="Google Shape;292;p43"/>
           <p:cNvSpPr/>
           <p:nvPr/>
         </p:nvSpPr>
@@ -26873,6 +26589,285 @@
 </file>
 
 <file path=ppt/theme/theme1.xml><?xml version="1.0" encoding="utf-8"?>
+<a:theme xmlns:a="http://schemas.openxmlformats.org/drawingml/2006/main" xmlns:r="http://schemas.openxmlformats.org/officeDocument/2006/relationships" name="Office Theme">
+  <a:themeElements>
+    <a:clrScheme name="Office">
+      <a:dk1>
+        <a:srgbClr val="000000"/>
+      </a:dk1>
+      <a:lt1>
+        <a:srgbClr val="FFFFFF"/>
+      </a:lt1>
+      <a:dk2>
+        <a:srgbClr val="1F497D"/>
+      </a:dk2>
+      <a:lt2>
+        <a:srgbClr val="EEECE1"/>
+      </a:lt2>
+      <a:accent1>
+        <a:srgbClr val="4F81BD"/>
+      </a:accent1>
+      <a:accent2>
+        <a:srgbClr val="C0504D"/>
+      </a:accent2>
+      <a:accent3>
+        <a:srgbClr val="9BBB59"/>
+      </a:accent3>
+      <a:accent4>
+        <a:srgbClr val="8064A2"/>
+      </a:accent4>
+      <a:accent5>
+        <a:srgbClr val="4BACC6"/>
+      </a:accent5>
+      <a:accent6>
+        <a:srgbClr val="F79646"/>
+      </a:accent6>
+      <a:hlink>
+        <a:srgbClr val="0000FF"/>
+      </a:hlink>
+      <a:folHlink>
+        <a:srgbClr val="800080"/>
+      </a:folHlink>
+    </a:clrScheme>
+    <a:fontScheme name="Office">
+      <a:majorFont>
+        <a:latin typeface="Arial"/>
+        <a:ea typeface=""/>
+        <a:cs typeface=""/>
+        <a:font script="Jpan" typeface="ＭＳ Ｐゴシック"/>
+        <a:font script="Hang" typeface="맑은 고딕"/>
+        <a:font script="Hans" typeface="宋体"/>
+        <a:font script="Hant" typeface="新細明體"/>
+        <a:font script="Arab" typeface="Times New Roman"/>
+        <a:font script="Hebr" typeface="Times New Roman"/>
+        <a:font script="Thai" typeface="Angsana New"/>
+        <a:font script="Ethi" typeface="Nyala"/>
+        <a:font script="Beng" typeface="Vrinda"/>
+        <a:font script="Gujr" typeface="Shruti"/>
+        <a:font script="Khmr" typeface="MoolBoran"/>
+        <a:font script="Knda" typeface="Tunga"/>
+        <a:font script="Guru" typeface="Raavi"/>
+        <a:font script="Cans" typeface="Euphemia"/>
+        <a:font script="Cher" typeface="Plantagenet Cherokee"/>
+        <a:font script="Yiii" typeface="Microsoft Yi Baiti"/>
+        <a:font script="Tibt" typeface="Microsoft Himalaya"/>
+        <a:font script="Thaa" typeface="MV Boli"/>
+        <a:font script="Deva" typeface="Mangal"/>
+        <a:font script="Telu" typeface="Gautami"/>
+        <a:font script="Taml" typeface="Latha"/>
+        <a:font script="Syrc" typeface="Estrangelo Edessa"/>
+        <a:font script="Orya" typeface="Kalinga"/>
+        <a:font script="Mlym" typeface="Kartika"/>
+        <a:font script="Laoo" typeface="DokChampa"/>
+        <a:font script="Sinh" typeface="Iskoola Pota"/>
+        <a:font script="Mong" typeface="Mongolian Baiti"/>
+        <a:font script="Viet" typeface="Times New Roman"/>
+        <a:font script="Uigh" typeface="Microsoft Uighur"/>
+        <a:font script="Geor" typeface="Sylfaen"/>
+      </a:majorFont>
+      <a:minorFont>
+        <a:latin typeface="Arial"/>
+        <a:ea typeface=""/>
+        <a:cs typeface=""/>
+        <a:font script="Jpan" typeface="ＭＳ Ｐゴシック"/>
+        <a:font script="Hang" typeface="맑은 고딕"/>
+        <a:font script="Hans" typeface="宋体"/>
+        <a:font script="Hant" typeface="新細明體"/>
+        <a:font script="Arab" typeface="Arial"/>
+        <a:font script="Hebr" typeface="Arial"/>
+        <a:font script="Thai" typeface="Cordia New"/>
+        <a:font script="Ethi" typeface="Nyala"/>
+        <a:font script="Beng" typeface="Vrinda"/>
+        <a:font script="Gujr" typeface="Shruti"/>
+        <a:font script="Khmr" typeface="DaunPenh"/>
+        <a:font script="Knda" typeface="Tunga"/>
+        <a:font script="Guru" typeface="Raavi"/>
+        <a:font script="Cans" typeface="Euphemia"/>
+        <a:font script="Cher" typeface="Plantagenet Cherokee"/>
+        <a:font script="Yiii" typeface="Microsoft Yi Baiti"/>
+        <a:font script="Tibt" typeface="Microsoft Himalaya"/>
+        <a:font script="Thaa" typeface="MV Boli"/>
+        <a:font script="Deva" typeface="Mangal"/>
+        <a:font script="Telu" typeface="Gautami"/>
+        <a:font script="Taml" typeface="Latha"/>
+        <a:font script="Syrc" typeface="Estrangelo Edessa"/>
+        <a:font script="Orya" typeface="Kalinga"/>
+        <a:font script="Mlym" typeface="Kartika"/>
+        <a:font script="Laoo" typeface="DokChampa"/>
+        <a:font script="Sinh" typeface="Iskoola Pota"/>
+        <a:font script="Mong" typeface="Mongolian Baiti"/>
+        <a:font script="Viet" typeface="Arial"/>
+        <a:font script="Uigh" typeface="Microsoft Uighur"/>
+        <a:font script="Geor" typeface="Sylfaen"/>
+      </a:minorFont>
+    </a:fontScheme>
+    <a:fmtScheme name="Office">
+      <a:fillStyleLst>
+        <a:solidFill>
+          <a:schemeClr val="phClr"/>
+        </a:solidFill>
+        <a:gradFill rotWithShape="1">
+          <a:gsLst>
+            <a:gs pos="0">
+              <a:schemeClr val="phClr">
+                <a:tint val="50000"/>
+                <a:satMod val="300000"/>
+              </a:schemeClr>
+            </a:gs>
+            <a:gs pos="35000">
+              <a:schemeClr val="phClr">
+                <a:tint val="37000"/>
+                <a:satMod val="300000"/>
+              </a:schemeClr>
+            </a:gs>
+            <a:gs pos="100000">
+              <a:schemeClr val="phClr">
+                <a:tint val="15000"/>
+                <a:satMod val="350000"/>
+              </a:schemeClr>
+            </a:gs>
+          </a:gsLst>
+          <a:lin ang="16200000" scaled="1"/>
+        </a:gradFill>
+        <a:gradFill rotWithShape="1">
+          <a:gsLst>
+            <a:gs pos="0">
+              <a:schemeClr val="phClr">
+                <a:tint val="100000"/>
+                <a:shade val="100000"/>
+                <a:satMod val="130000"/>
+              </a:schemeClr>
+            </a:gs>
+            <a:gs pos="100000">
+              <a:schemeClr val="phClr">
+                <a:tint val="50000"/>
+                <a:shade val="100000"/>
+                <a:satMod val="350000"/>
+              </a:schemeClr>
+            </a:gs>
+          </a:gsLst>
+          <a:lin ang="16200000" scaled="0"/>
+        </a:gradFill>
+      </a:fillStyleLst>
+      <a:lnStyleLst>
+        <a:ln w="9525" cap="flat" cmpd="sng" algn="ctr">
+          <a:solidFill>
+            <a:schemeClr val="phClr">
+              <a:shade val="95000"/>
+              <a:satMod val="105000"/>
+            </a:schemeClr>
+          </a:solidFill>
+          <a:prstDash val="solid"/>
+        </a:ln>
+        <a:ln w="25400" cap="flat" cmpd="sng" algn="ctr">
+          <a:solidFill>
+            <a:schemeClr val="phClr"/>
+          </a:solidFill>
+          <a:prstDash val="solid"/>
+        </a:ln>
+        <a:ln w="38100" cap="flat" cmpd="sng" algn="ctr">
+          <a:solidFill>
+            <a:schemeClr val="phClr"/>
+          </a:solidFill>
+          <a:prstDash val="solid"/>
+        </a:ln>
+      </a:lnStyleLst>
+      <a:effectStyleLst>
+        <a:effectStyle>
+          <a:effectLst>
+            <a:outerShdw blurRad="40000" dist="20000" dir="5400000" rotWithShape="0">
+              <a:srgbClr val="000000">
+                <a:alpha val="38000"/>
+              </a:srgbClr>
+            </a:outerShdw>
+          </a:effectLst>
+        </a:effectStyle>
+        <a:effectStyle>
+          <a:effectLst>
+            <a:outerShdw blurRad="40000" dist="23000" dir="5400000" rotWithShape="0">
+              <a:srgbClr val="000000">
+                <a:alpha val="35000"/>
+              </a:srgbClr>
+            </a:outerShdw>
+          </a:effectLst>
+        </a:effectStyle>
+        <a:effectStyle>
+          <a:effectLst>
+            <a:outerShdw blurRad="40000" dist="23000" dir="5400000" rotWithShape="0">
+              <a:srgbClr val="000000">
+                <a:alpha val="35000"/>
+              </a:srgbClr>
+            </a:outerShdw>
+          </a:effectLst>
+          <a:scene3d>
+            <a:camera prst="orthographicFront">
+              <a:rot lat="0" lon="0" rev="0"/>
+            </a:camera>
+            <a:lightRig rig="threePt" dir="t">
+              <a:rot lat="0" lon="0" rev="1200000"/>
+            </a:lightRig>
+          </a:scene3d>
+          <a:sp3d>
+            <a:bevelT w="63500" h="25400"/>
+          </a:sp3d>
+        </a:effectStyle>
+      </a:effectStyleLst>
+      <a:bgFillStyleLst>
+        <a:solidFill>
+          <a:schemeClr val="phClr"/>
+        </a:solidFill>
+        <a:gradFill rotWithShape="1">
+          <a:gsLst>
+            <a:gs pos="0">
+              <a:schemeClr val="phClr">
+                <a:tint val="40000"/>
+                <a:satMod val="350000"/>
+              </a:schemeClr>
+            </a:gs>
+            <a:gs pos="40000">
+              <a:schemeClr val="phClr">
+                <a:tint val="45000"/>
+                <a:shade val="99000"/>
+                <a:satMod val="350000"/>
+              </a:schemeClr>
+            </a:gs>
+            <a:gs pos="100000">
+              <a:schemeClr val="phClr">
+                <a:shade val="20000"/>
+                <a:satMod val="255000"/>
+              </a:schemeClr>
+            </a:gs>
+          </a:gsLst>
+          <a:path path="circle">
+            <a:fillToRect l="50000" t="-80000" r="50000" b="180000"/>
+          </a:path>
+        </a:gradFill>
+        <a:gradFill rotWithShape="1">
+          <a:gsLst>
+            <a:gs pos="0">
+              <a:schemeClr val="phClr">
+                <a:tint val="80000"/>
+                <a:satMod val="300000"/>
+              </a:schemeClr>
+            </a:gs>
+            <a:gs pos="100000">
+              <a:schemeClr val="phClr">
+                <a:shade val="30000"/>
+                <a:satMod val="200000"/>
+              </a:schemeClr>
+            </a:gs>
+          </a:gsLst>
+          <a:path path="circle">
+            <a:fillToRect l="50000" t="50000" r="50000" b="50000"/>
+          </a:path>
+        </a:gradFill>
+      </a:bgFillStyleLst>
+    </a:fmtScheme>
+  </a:themeElements>
+</a:theme>
+</file>
+
+<file path=ppt/theme/theme2.xml><?xml version="1.0" encoding="utf-8"?>
 <a:theme xmlns:a="http://schemas.openxmlformats.org/drawingml/2006/main" xmlns:r="http://schemas.openxmlformats.org/officeDocument/2006/relationships" name="Simple Light">
   <a:themeElements>
     <a:clrScheme name="Simple Light">
@@ -27149,283 +27144,4 @@
     </a:fmtScheme>
   </a:themeElements>
 </a:theme>
-</file>
-
-<file path=ppt/theme/theme2.xml><?xml version="1.0" encoding="utf-8"?>
-<a:theme xmlns:a="http://schemas.openxmlformats.org/drawingml/2006/main" xmlns:r="http://schemas.openxmlformats.org/officeDocument/2006/relationships" name="Office Theme">
-  <a:themeElements>
-    <a:clrScheme name="Office">
-      <a:dk1>
-        <a:srgbClr val="000000"/>
-      </a:dk1>
-      <a:lt1>
-        <a:srgbClr val="FFFFFF"/>
-      </a:lt1>
-      <a:dk2>
-        <a:srgbClr val="1F497D"/>
-      </a:dk2>
-      <a:lt2>
-        <a:srgbClr val="EEECE1"/>
-      </a:lt2>
-      <a:accent1>
-        <a:srgbClr val="4F81BD"/>
-      </a:accent1>
-      <a:accent2>
-        <a:srgbClr val="C0504D"/>
-      </a:accent2>
-      <a:accent3>
-        <a:srgbClr val="9BBB59"/>
-      </a:accent3>
-      <a:accent4>
-        <a:srgbClr val="8064A2"/>
-      </a:accent4>
-      <a:accent5>
-        <a:srgbClr val="4BACC6"/>
-      </a:accent5>
-      <a:accent6>
-        <a:srgbClr val="F79646"/>
-      </a:accent6>
-      <a:hlink>
-        <a:srgbClr val="0000FF"/>
-      </a:hlink>
-      <a:folHlink>
-        <a:srgbClr val="800080"/>
-      </a:folHlink>
-    </a:clrScheme>
-    <a:fontScheme name="Office">
-      <a:majorFont>
-        <a:latin typeface="Arial"/>
-        <a:ea typeface=""/>
-        <a:cs typeface=""/>
-        <a:font script="Jpan" typeface="ＭＳ Ｐゴシック"/>
-        <a:font script="Hang" typeface="맑은 고딕"/>
-        <a:font script="Hans" typeface="宋体"/>
-        <a:font script="Hant" typeface="新細明體"/>
-        <a:font script="Arab" typeface="Times New Roman"/>
-        <a:font script="Hebr" typeface="Times New Roman"/>
-        <a:font script="Thai" typeface="Angsana New"/>
-        <a:font script="Ethi" typeface="Nyala"/>
-        <a:font script="Beng" typeface="Vrinda"/>
-        <a:font script="Gujr" typeface="Shruti"/>
-        <a:font script="Khmr" typeface="MoolBoran"/>
-        <a:font script="Knda" typeface="Tunga"/>
-        <a:font script="Guru" typeface="Raavi"/>
-        <a:font script="Cans" typeface="Euphemia"/>
-        <a:font script="Cher" typeface="Plantagenet Cherokee"/>
-        <a:font script="Yiii" typeface="Microsoft Yi Baiti"/>
-        <a:font script="Tibt" typeface="Microsoft Himalaya"/>
-        <a:font script="Thaa" typeface="MV Boli"/>
-        <a:font script="Deva" typeface="Mangal"/>
-        <a:font script="Telu" typeface="Gautami"/>
-        <a:font script="Taml" typeface="Latha"/>
-        <a:font script="Syrc" typeface="Estrangelo Edessa"/>
-        <a:font script="Orya" typeface="Kalinga"/>
-        <a:font script="Mlym" typeface="Kartika"/>
-        <a:font script="Laoo" typeface="DokChampa"/>
-        <a:font script="Sinh" typeface="Iskoola Pota"/>
-        <a:font script="Mong" typeface="Mongolian Baiti"/>
-        <a:font script="Viet" typeface="Times New Roman"/>
-        <a:font script="Uigh" typeface="Microsoft Uighur"/>
-        <a:font script="Geor" typeface="Sylfaen"/>
-      </a:majorFont>
-      <a:minorFont>
-        <a:latin typeface="Arial"/>
-        <a:ea typeface=""/>
-        <a:cs typeface=""/>
-        <a:font script="Jpan" typeface="ＭＳ Ｐゴシック"/>
-        <a:font script="Hang" typeface="맑은 고딕"/>
-        <a:font script="Hans" typeface="宋体"/>
-        <a:font script="Hant" typeface="新細明體"/>
-        <a:font script="Arab" typeface="Arial"/>
-        <a:font script="Hebr" typeface="Arial"/>
-        <a:font script="Thai" typeface="Cordia New"/>
-        <a:font script="Ethi" typeface="Nyala"/>
-        <a:font script="Beng" typeface="Vrinda"/>
-        <a:font script="Gujr" typeface="Shruti"/>
-        <a:font script="Khmr" typeface="DaunPenh"/>
-        <a:font script="Knda" typeface="Tunga"/>
-        <a:font script="Guru" typeface="Raavi"/>
-        <a:font script="Cans" typeface="Euphemia"/>
-        <a:font script="Cher" typeface="Plantagenet Cherokee"/>
-        <a:font script="Yiii" typeface="Microsoft Yi Baiti"/>
-        <a:font script="Tibt" typeface="Microsoft Himalaya"/>
-        <a:font script="Thaa" typeface="MV Boli"/>
-        <a:font script="Deva" typeface="Mangal"/>
-        <a:font script="Telu" typeface="Gautami"/>
-        <a:font script="Taml" typeface="Latha"/>
-        <a:font script="Syrc" typeface="Estrangelo Edessa"/>
-        <a:font script="Orya" typeface="Kalinga"/>
-        <a:font script="Mlym" typeface="Kartika"/>
-        <a:font script="Laoo" typeface="DokChampa"/>
-        <a:font script="Sinh" typeface="Iskoola Pota"/>
-        <a:font script="Mong" typeface="Mongolian Baiti"/>
-        <a:font script="Viet" typeface="Arial"/>
-        <a:font script="Uigh" typeface="Microsoft Uighur"/>
-        <a:font script="Geor" typeface="Sylfaen"/>
-      </a:minorFont>
-    </a:fontScheme>
-    <a:fmtScheme name="Office">
-      <a:fillStyleLst>
-        <a:solidFill>
-          <a:schemeClr val="phClr"/>
-        </a:solidFill>
-        <a:gradFill rotWithShape="1">
-          <a:gsLst>
-            <a:gs pos="0">
-              <a:schemeClr val="phClr">
-                <a:tint val="50000"/>
-                <a:satMod val="300000"/>
-              </a:schemeClr>
-            </a:gs>
-            <a:gs pos="35000">
-              <a:schemeClr val="phClr">
-                <a:tint val="37000"/>
-                <a:satMod val="300000"/>
-              </a:schemeClr>
-            </a:gs>
-            <a:gs pos="100000">
-              <a:schemeClr val="phClr">
-                <a:tint val="15000"/>
-                <a:satMod val="350000"/>
-              </a:schemeClr>
-            </a:gs>
-          </a:gsLst>
-          <a:lin ang="16200000" scaled="1"/>
-        </a:gradFill>
-        <a:gradFill rotWithShape="1">
-          <a:gsLst>
-            <a:gs pos="0">
-              <a:schemeClr val="phClr">
-                <a:tint val="100000"/>
-                <a:shade val="100000"/>
-                <a:satMod val="130000"/>
-              </a:schemeClr>
-            </a:gs>
-            <a:gs pos="100000">
-              <a:schemeClr val="phClr">
-                <a:tint val="50000"/>
-                <a:shade val="100000"/>
-                <a:satMod val="350000"/>
-              </a:schemeClr>
-            </a:gs>
-          </a:gsLst>
-          <a:lin ang="16200000" scaled="0"/>
-        </a:gradFill>
-      </a:fillStyleLst>
-      <a:lnStyleLst>
-        <a:ln w="9525" cap="flat" cmpd="sng" algn="ctr">
-          <a:solidFill>
-            <a:schemeClr val="phClr">
-              <a:shade val="95000"/>
-              <a:satMod val="105000"/>
-            </a:schemeClr>
-          </a:solidFill>
-          <a:prstDash val="solid"/>
-        </a:ln>
-        <a:ln w="25400" cap="flat" cmpd="sng" algn="ctr">
-          <a:solidFill>
-            <a:schemeClr val="phClr"/>
-          </a:solidFill>
-          <a:prstDash val="solid"/>
-        </a:ln>
-        <a:ln w="38100" cap="flat" cmpd="sng" algn="ctr">
-          <a:solidFill>
-            <a:schemeClr val="phClr"/>
-          </a:solidFill>
-          <a:prstDash val="solid"/>
-        </a:ln>
-      </a:lnStyleLst>
-      <a:effectStyleLst>
-        <a:effectStyle>
-          <a:effectLst>
-            <a:outerShdw blurRad="40000" dist="20000" dir="5400000" rotWithShape="0">
-              <a:srgbClr val="000000">
-                <a:alpha val="38000"/>
-              </a:srgbClr>
-            </a:outerShdw>
-          </a:effectLst>
-        </a:effectStyle>
-        <a:effectStyle>
-          <a:effectLst>
-            <a:outerShdw blurRad="40000" dist="23000" dir="5400000" rotWithShape="0">
-              <a:srgbClr val="000000">
-                <a:alpha val="35000"/>
-              </a:srgbClr>
-            </a:outerShdw>
-          </a:effectLst>
-        </a:effectStyle>
-        <a:effectStyle>
-          <a:effectLst>
-            <a:outerShdw blurRad="40000" dist="23000" dir="5400000" rotWithShape="0">
-              <a:srgbClr val="000000">
-                <a:alpha val="35000"/>
-              </a:srgbClr>
-            </a:outerShdw>
-          </a:effectLst>
-          <a:scene3d>
-            <a:camera prst="orthographicFront">
-              <a:rot lat="0" lon="0" rev="0"/>
-            </a:camera>
-            <a:lightRig rig="threePt" dir="t">
-              <a:rot lat="0" lon="0" rev="1200000"/>
-            </a:lightRig>
-          </a:scene3d>
-          <a:sp3d>
-            <a:bevelT w="63500" h="25400"/>
-          </a:sp3d>
-        </a:effectStyle>
-      </a:effectStyleLst>
-      <a:bgFillStyleLst>
-        <a:solidFill>
-          <a:schemeClr val="phClr"/>
-        </a:solidFill>
-        <a:gradFill rotWithShape="1">
-          <a:gsLst>
-            <a:gs pos="0">
-              <a:schemeClr val="phClr">
-                <a:tint val="40000"/>
-                <a:satMod val="350000"/>
-              </a:schemeClr>
-            </a:gs>
-            <a:gs pos="40000">
-              <a:schemeClr val="phClr">
-                <a:tint val="45000"/>
-                <a:shade val="99000"/>
-                <a:satMod val="350000"/>
-              </a:schemeClr>
-            </a:gs>
-            <a:gs pos="100000">
-              <a:schemeClr val="phClr">
-                <a:shade val="20000"/>
-                <a:satMod val="255000"/>
-              </a:schemeClr>
-            </a:gs>
-          </a:gsLst>
-          <a:path path="circle">
-            <a:fillToRect l="50000" t="-80000" r="50000" b="180000"/>
-          </a:path>
-        </a:gradFill>
-        <a:gradFill rotWithShape="1">
-          <a:gsLst>
-            <a:gs pos="0">
-              <a:schemeClr val="phClr">
-                <a:tint val="80000"/>
-                <a:satMod val="300000"/>
-              </a:schemeClr>
-            </a:gs>
-            <a:gs pos="100000">
-              <a:schemeClr val="phClr">
-                <a:shade val="30000"/>
-                <a:satMod val="200000"/>
-              </a:schemeClr>
-            </a:gs>
-          </a:gsLst>
-          <a:path path="circle">
-            <a:fillToRect l="50000" t="50000" r="50000" b="50000"/>
-          </a:path>
-        </a:gradFill>
-      </a:bgFillStyleLst>
-    </a:fmtScheme>
-  </a:themeElements>
-</a:theme>
 </file>